--- a/basicDataProcess/S3_DataIO_Process.pptx
+++ b/basicDataProcess/S3_DataIO_Process.pptx
@@ -5,16 +5,30 @@
     <p:sldMasterId id="2147483648" r:id="rId1"/>
   </p:sldMasterIdLst>
   <p:notesMasterIdLst>
-    <p:notesMasterId r:id="rId9"/>
+    <p:notesMasterId r:id="rId23"/>
   </p:notesMasterIdLst>
   <p:sldIdLst>
     <p:sldId id="269" r:id="rId2"/>
-    <p:sldId id="289" r:id="rId3"/>
-    <p:sldId id="290" r:id="rId4"/>
-    <p:sldId id="291" r:id="rId5"/>
-    <p:sldId id="292" r:id="rId6"/>
-    <p:sldId id="293" r:id="rId7"/>
-    <p:sldId id="294" r:id="rId8"/>
+    <p:sldId id="372" r:id="rId3"/>
+    <p:sldId id="371" r:id="rId4"/>
+    <p:sldId id="373" r:id="rId5"/>
+    <p:sldId id="376" r:id="rId6"/>
+    <p:sldId id="384" r:id="rId7"/>
+    <p:sldId id="383" r:id="rId8"/>
+    <p:sldId id="377" r:id="rId9"/>
+    <p:sldId id="381" r:id="rId10"/>
+    <p:sldId id="379" r:id="rId11"/>
+    <p:sldId id="380" r:id="rId12"/>
+    <p:sldId id="378" r:id="rId13"/>
+    <p:sldId id="375" r:id="rId14"/>
+    <p:sldId id="374" r:id="rId15"/>
+    <p:sldId id="370" r:id="rId16"/>
+    <p:sldId id="289" r:id="rId17"/>
+    <p:sldId id="290" r:id="rId18"/>
+    <p:sldId id="291" r:id="rId19"/>
+    <p:sldId id="292" r:id="rId20"/>
+    <p:sldId id="293" r:id="rId21"/>
+    <p:sldId id="294" r:id="rId22"/>
   </p:sldIdLst>
   <p:sldSz cx="9144000" cy="6858000" type="screen4x3"/>
   <p:notesSz cx="6858000" cy="9144000"/>
@@ -214,7 +228,7 @@
           <a:p>
             <a:fld id="{38D09E00-41C2-454C-B18D-DE4CC0F7C8DE}" type="datetimeFigureOut">
               <a:rPr lang="zh-TW" altLang="en-US" smtClean="0"/>
-              <a:t>2020/11/27</a:t>
+              <a:t>2021/10/18</a:t>
             </a:fld>
             <a:endParaRPr lang="zh-TW" altLang="en-US"/>
           </a:p>
@@ -278,38 +292,37 @@
           <a:p>
             <a:pPr lvl="0"/>
             <a:r>
-              <a:rPr lang="zh-TW" altLang="en-US" smtClean="0"/>
+              <a:rPr lang="zh-TW" altLang="en-US"/>
               <a:t>按一下以編輯母片文字樣式</a:t>
             </a:r>
           </a:p>
           <a:p>
             <a:pPr lvl="1"/>
             <a:r>
-              <a:rPr lang="zh-TW" altLang="en-US" smtClean="0"/>
+              <a:rPr lang="zh-TW" altLang="en-US"/>
               <a:t>第二層</a:t>
             </a:r>
           </a:p>
           <a:p>
             <a:pPr lvl="2"/>
             <a:r>
-              <a:rPr lang="zh-TW" altLang="en-US" smtClean="0"/>
+              <a:rPr lang="zh-TW" altLang="en-US"/>
               <a:t>第三層</a:t>
             </a:r>
           </a:p>
           <a:p>
             <a:pPr lvl="3"/>
             <a:r>
-              <a:rPr lang="zh-TW" altLang="en-US" smtClean="0"/>
+              <a:rPr lang="zh-TW" altLang="en-US"/>
               <a:t>第四層</a:t>
             </a:r>
           </a:p>
           <a:p>
             <a:pPr lvl="4"/>
             <a:r>
-              <a:rPr lang="zh-TW" altLang="en-US" smtClean="0"/>
+              <a:rPr lang="zh-TW" altLang="en-US"/>
               <a:t>第五層</a:t>
             </a:r>
-            <a:endParaRPr lang="zh-TW" altLang="en-US"/>
           </a:p>
         </p:txBody>
       </p:sp>
@@ -520,10 +533,9 @@
           <a:lstStyle/>
           <a:p>
             <a:r>
-              <a:rPr lang="zh-TW" altLang="en-US" smtClean="0"/>
+              <a:rPr lang="zh-TW" altLang="en-US"/>
               <a:t>按一下以編輯母片標題樣式</a:t>
             </a:r>
-            <a:endParaRPr lang="zh-TW" altLang="en-US"/>
           </a:p>
         </p:txBody>
       </p:sp>
@@ -639,10 +651,9 @@
           </a:lstStyle>
           <a:p>
             <a:r>
-              <a:rPr lang="zh-TW" altLang="en-US" smtClean="0"/>
+              <a:rPr lang="zh-TW" altLang="en-US"/>
               <a:t>按一下以編輯母片副標題樣式</a:t>
             </a:r>
-            <a:endParaRPr lang="zh-TW" altLang="en-US"/>
           </a:p>
         </p:txBody>
       </p:sp>
@@ -663,7 +674,7 @@
           <a:p>
             <a:fld id="{4928C6AC-BB5A-4F0E-BAB5-A6E5EF55A187}" type="datetimeFigureOut">
               <a:rPr lang="zh-TW" altLang="en-US" smtClean="0"/>
-              <a:t>2020/11/27</a:t>
+              <a:t>2021/10/18</a:t>
             </a:fld>
             <a:endParaRPr lang="zh-TW" altLang="en-US"/>
           </a:p>
@@ -757,10 +768,9 @@
           <a:lstStyle/>
           <a:p>
             <a:r>
-              <a:rPr lang="zh-TW" altLang="en-US" smtClean="0"/>
+              <a:rPr lang="zh-TW" altLang="en-US"/>
               <a:t>按一下以編輯母片標題樣式</a:t>
             </a:r>
-            <a:endParaRPr lang="zh-TW" altLang="en-US"/>
           </a:p>
         </p:txBody>
       </p:sp>
@@ -781,38 +791,37 @@
           <a:p>
             <a:pPr lvl="0"/>
             <a:r>
-              <a:rPr lang="zh-TW" altLang="en-US" smtClean="0"/>
+              <a:rPr lang="zh-TW" altLang="en-US"/>
               <a:t>按一下以編輯母片文字樣式</a:t>
             </a:r>
           </a:p>
           <a:p>
             <a:pPr lvl="1"/>
             <a:r>
-              <a:rPr lang="zh-TW" altLang="en-US" smtClean="0"/>
+              <a:rPr lang="zh-TW" altLang="en-US"/>
               <a:t>第二層</a:t>
             </a:r>
           </a:p>
           <a:p>
             <a:pPr lvl="2"/>
             <a:r>
-              <a:rPr lang="zh-TW" altLang="en-US" smtClean="0"/>
+              <a:rPr lang="zh-TW" altLang="en-US"/>
               <a:t>第三層</a:t>
             </a:r>
           </a:p>
           <a:p>
             <a:pPr lvl="3"/>
             <a:r>
-              <a:rPr lang="zh-TW" altLang="en-US" smtClean="0"/>
+              <a:rPr lang="zh-TW" altLang="en-US"/>
               <a:t>第四層</a:t>
             </a:r>
           </a:p>
           <a:p>
             <a:pPr lvl="4"/>
             <a:r>
-              <a:rPr lang="zh-TW" altLang="en-US" smtClean="0"/>
+              <a:rPr lang="zh-TW" altLang="en-US"/>
               <a:t>第五層</a:t>
             </a:r>
-            <a:endParaRPr lang="zh-TW" altLang="en-US"/>
           </a:p>
         </p:txBody>
       </p:sp>
@@ -833,7 +842,7 @@
           <a:p>
             <a:fld id="{4928C6AC-BB5A-4F0E-BAB5-A6E5EF55A187}" type="datetimeFigureOut">
               <a:rPr lang="zh-TW" altLang="en-US" smtClean="0"/>
-              <a:t>2020/11/27</a:t>
+              <a:t>2021/10/18</a:t>
             </a:fld>
             <a:endParaRPr lang="zh-TW" altLang="en-US"/>
           </a:p>
@@ -932,10 +941,9 @@
           <a:lstStyle/>
           <a:p>
             <a:r>
-              <a:rPr lang="zh-TW" altLang="en-US" smtClean="0"/>
+              <a:rPr lang="zh-TW" altLang="en-US"/>
               <a:t>按一下以編輯母片標題樣式</a:t>
             </a:r>
-            <a:endParaRPr lang="zh-TW" altLang="en-US"/>
           </a:p>
         </p:txBody>
       </p:sp>
@@ -961,38 +969,37 @@
           <a:p>
             <a:pPr lvl="0"/>
             <a:r>
-              <a:rPr lang="zh-TW" altLang="en-US" smtClean="0"/>
+              <a:rPr lang="zh-TW" altLang="en-US"/>
               <a:t>按一下以編輯母片文字樣式</a:t>
             </a:r>
           </a:p>
           <a:p>
             <a:pPr lvl="1"/>
             <a:r>
-              <a:rPr lang="zh-TW" altLang="en-US" smtClean="0"/>
+              <a:rPr lang="zh-TW" altLang="en-US"/>
               <a:t>第二層</a:t>
             </a:r>
           </a:p>
           <a:p>
             <a:pPr lvl="2"/>
             <a:r>
-              <a:rPr lang="zh-TW" altLang="en-US" smtClean="0"/>
+              <a:rPr lang="zh-TW" altLang="en-US"/>
               <a:t>第三層</a:t>
             </a:r>
           </a:p>
           <a:p>
             <a:pPr lvl="3"/>
             <a:r>
-              <a:rPr lang="zh-TW" altLang="en-US" smtClean="0"/>
+              <a:rPr lang="zh-TW" altLang="en-US"/>
               <a:t>第四層</a:t>
             </a:r>
           </a:p>
           <a:p>
             <a:pPr lvl="4"/>
             <a:r>
-              <a:rPr lang="zh-TW" altLang="en-US" smtClean="0"/>
+              <a:rPr lang="zh-TW" altLang="en-US"/>
               <a:t>第五層</a:t>
             </a:r>
-            <a:endParaRPr lang="zh-TW" altLang="en-US"/>
           </a:p>
         </p:txBody>
       </p:sp>
@@ -1013,7 +1020,7 @@
           <a:p>
             <a:fld id="{4928C6AC-BB5A-4F0E-BAB5-A6E5EF55A187}" type="datetimeFigureOut">
               <a:rPr lang="zh-TW" altLang="en-US" smtClean="0"/>
-              <a:t>2020/11/27</a:t>
+              <a:t>2021/10/18</a:t>
             </a:fld>
             <a:endParaRPr lang="zh-TW" altLang="en-US"/>
           </a:p>
@@ -1107,10 +1114,9 @@
           <a:lstStyle/>
           <a:p>
             <a:r>
-              <a:rPr lang="zh-TW" altLang="en-US" smtClean="0"/>
+              <a:rPr lang="zh-TW" altLang="en-US"/>
               <a:t>按一下以編輯母片標題樣式</a:t>
             </a:r>
-            <a:endParaRPr lang="zh-TW" altLang="en-US"/>
           </a:p>
         </p:txBody>
       </p:sp>
@@ -1131,38 +1137,37 @@
           <a:p>
             <a:pPr lvl="0"/>
             <a:r>
-              <a:rPr lang="zh-TW" altLang="en-US" smtClean="0"/>
+              <a:rPr lang="zh-TW" altLang="en-US"/>
               <a:t>按一下以編輯母片文字樣式</a:t>
             </a:r>
           </a:p>
           <a:p>
             <a:pPr lvl="1"/>
             <a:r>
-              <a:rPr lang="zh-TW" altLang="en-US" smtClean="0"/>
+              <a:rPr lang="zh-TW" altLang="en-US"/>
               <a:t>第二層</a:t>
             </a:r>
           </a:p>
           <a:p>
             <a:pPr lvl="2"/>
             <a:r>
-              <a:rPr lang="zh-TW" altLang="en-US" smtClean="0"/>
+              <a:rPr lang="zh-TW" altLang="en-US"/>
               <a:t>第三層</a:t>
             </a:r>
           </a:p>
           <a:p>
             <a:pPr lvl="3"/>
             <a:r>
-              <a:rPr lang="zh-TW" altLang="en-US" smtClean="0"/>
+              <a:rPr lang="zh-TW" altLang="en-US"/>
               <a:t>第四層</a:t>
             </a:r>
           </a:p>
           <a:p>
             <a:pPr lvl="4"/>
             <a:r>
-              <a:rPr lang="zh-TW" altLang="en-US" smtClean="0"/>
+              <a:rPr lang="zh-TW" altLang="en-US"/>
               <a:t>第五層</a:t>
             </a:r>
-            <a:endParaRPr lang="zh-TW" altLang="en-US"/>
           </a:p>
         </p:txBody>
       </p:sp>
@@ -1183,7 +1188,7 @@
           <a:p>
             <a:fld id="{4928C6AC-BB5A-4F0E-BAB5-A6E5EF55A187}" type="datetimeFigureOut">
               <a:rPr lang="zh-TW" altLang="en-US" smtClean="0"/>
-              <a:t>2020/11/27</a:t>
+              <a:t>2021/10/18</a:t>
             </a:fld>
             <a:endParaRPr lang="zh-TW" altLang="en-US"/>
           </a:p>
@@ -1286,10 +1291,9 @@
           </a:lstStyle>
           <a:p>
             <a:r>
-              <a:rPr lang="zh-TW" altLang="en-US" smtClean="0"/>
+              <a:rPr lang="zh-TW" altLang="en-US"/>
               <a:t>按一下以編輯母片標題樣式</a:t>
             </a:r>
-            <a:endParaRPr lang="zh-TW" altLang="en-US"/>
           </a:p>
         </p:txBody>
       </p:sp>
@@ -1406,7 +1410,7 @@
           <a:p>
             <a:pPr lvl="0"/>
             <a:r>
-              <a:rPr lang="zh-TW" altLang="en-US" smtClean="0"/>
+              <a:rPr lang="zh-TW" altLang="en-US"/>
               <a:t>按一下以編輯母片文字樣式</a:t>
             </a:r>
           </a:p>
@@ -1429,7 +1433,7 @@
           <a:p>
             <a:fld id="{4928C6AC-BB5A-4F0E-BAB5-A6E5EF55A187}" type="datetimeFigureOut">
               <a:rPr lang="zh-TW" altLang="en-US" smtClean="0"/>
-              <a:t>2020/11/27</a:t>
+              <a:t>2021/10/18</a:t>
             </a:fld>
             <a:endParaRPr lang="zh-TW" altLang="en-US"/>
           </a:p>
@@ -1523,10 +1527,9 @@
           <a:lstStyle/>
           <a:p>
             <a:r>
-              <a:rPr lang="zh-TW" altLang="en-US" smtClean="0"/>
+              <a:rPr lang="zh-TW" altLang="en-US"/>
               <a:t>按一下以編輯母片標題樣式</a:t>
             </a:r>
-            <a:endParaRPr lang="zh-TW" altLang="en-US"/>
           </a:p>
         </p:txBody>
       </p:sp>
@@ -1580,38 +1583,37 @@
           <a:p>
             <a:pPr lvl="0"/>
             <a:r>
-              <a:rPr lang="zh-TW" altLang="en-US" smtClean="0"/>
+              <a:rPr lang="zh-TW" altLang="en-US"/>
               <a:t>按一下以編輯母片文字樣式</a:t>
             </a:r>
           </a:p>
           <a:p>
             <a:pPr lvl="1"/>
             <a:r>
-              <a:rPr lang="zh-TW" altLang="en-US" smtClean="0"/>
+              <a:rPr lang="zh-TW" altLang="en-US"/>
               <a:t>第二層</a:t>
             </a:r>
           </a:p>
           <a:p>
             <a:pPr lvl="2"/>
             <a:r>
-              <a:rPr lang="zh-TW" altLang="en-US" smtClean="0"/>
+              <a:rPr lang="zh-TW" altLang="en-US"/>
               <a:t>第三層</a:t>
             </a:r>
           </a:p>
           <a:p>
             <a:pPr lvl="3"/>
             <a:r>
-              <a:rPr lang="zh-TW" altLang="en-US" smtClean="0"/>
+              <a:rPr lang="zh-TW" altLang="en-US"/>
               <a:t>第四層</a:t>
             </a:r>
           </a:p>
           <a:p>
             <a:pPr lvl="4"/>
             <a:r>
-              <a:rPr lang="zh-TW" altLang="en-US" smtClean="0"/>
+              <a:rPr lang="zh-TW" altLang="en-US"/>
               <a:t>第五層</a:t>
             </a:r>
-            <a:endParaRPr lang="zh-TW" altLang="en-US"/>
           </a:p>
         </p:txBody>
       </p:sp>
@@ -1665,38 +1667,37 @@
           <a:p>
             <a:pPr lvl="0"/>
             <a:r>
-              <a:rPr lang="zh-TW" altLang="en-US" smtClean="0"/>
+              <a:rPr lang="zh-TW" altLang="en-US"/>
               <a:t>按一下以編輯母片文字樣式</a:t>
             </a:r>
           </a:p>
           <a:p>
             <a:pPr lvl="1"/>
             <a:r>
-              <a:rPr lang="zh-TW" altLang="en-US" smtClean="0"/>
+              <a:rPr lang="zh-TW" altLang="en-US"/>
               <a:t>第二層</a:t>
             </a:r>
           </a:p>
           <a:p>
             <a:pPr lvl="2"/>
             <a:r>
-              <a:rPr lang="zh-TW" altLang="en-US" smtClean="0"/>
+              <a:rPr lang="zh-TW" altLang="en-US"/>
               <a:t>第三層</a:t>
             </a:r>
           </a:p>
           <a:p>
             <a:pPr lvl="3"/>
             <a:r>
-              <a:rPr lang="zh-TW" altLang="en-US" smtClean="0"/>
+              <a:rPr lang="zh-TW" altLang="en-US"/>
               <a:t>第四層</a:t>
             </a:r>
           </a:p>
           <a:p>
             <a:pPr lvl="4"/>
             <a:r>
-              <a:rPr lang="zh-TW" altLang="en-US" smtClean="0"/>
+              <a:rPr lang="zh-TW" altLang="en-US"/>
               <a:t>第五層</a:t>
             </a:r>
-            <a:endParaRPr lang="zh-TW" altLang="en-US"/>
           </a:p>
         </p:txBody>
       </p:sp>
@@ -1717,7 +1718,7 @@
           <a:p>
             <a:fld id="{4928C6AC-BB5A-4F0E-BAB5-A6E5EF55A187}" type="datetimeFigureOut">
               <a:rPr lang="zh-TW" altLang="en-US" smtClean="0"/>
-              <a:t>2020/11/27</a:t>
+              <a:t>2021/10/18</a:t>
             </a:fld>
             <a:endParaRPr lang="zh-TW" altLang="en-US"/>
           </a:p>
@@ -1815,10 +1816,9 @@
           </a:lstStyle>
           <a:p>
             <a:r>
-              <a:rPr lang="zh-TW" altLang="en-US" smtClean="0"/>
+              <a:rPr lang="zh-TW" altLang="en-US"/>
               <a:t>按一下以編輯母片標題樣式</a:t>
             </a:r>
-            <a:endParaRPr lang="zh-TW" altLang="en-US"/>
           </a:p>
         </p:txBody>
       </p:sp>
@@ -1881,7 +1881,7 @@
           <a:p>
             <a:pPr lvl="0"/>
             <a:r>
-              <a:rPr lang="zh-TW" altLang="en-US" smtClean="0"/>
+              <a:rPr lang="zh-TW" altLang="en-US"/>
               <a:t>按一下以編輯母片文字樣式</a:t>
             </a:r>
           </a:p>
@@ -1937,38 +1937,37 @@
           <a:p>
             <a:pPr lvl="0"/>
             <a:r>
-              <a:rPr lang="zh-TW" altLang="en-US" smtClean="0"/>
+              <a:rPr lang="zh-TW" altLang="en-US"/>
               <a:t>按一下以編輯母片文字樣式</a:t>
             </a:r>
           </a:p>
           <a:p>
             <a:pPr lvl="1"/>
             <a:r>
-              <a:rPr lang="zh-TW" altLang="en-US" smtClean="0"/>
+              <a:rPr lang="zh-TW" altLang="en-US"/>
               <a:t>第二層</a:t>
             </a:r>
           </a:p>
           <a:p>
             <a:pPr lvl="2"/>
             <a:r>
-              <a:rPr lang="zh-TW" altLang="en-US" smtClean="0"/>
+              <a:rPr lang="zh-TW" altLang="en-US"/>
               <a:t>第三層</a:t>
             </a:r>
           </a:p>
           <a:p>
             <a:pPr lvl="3"/>
             <a:r>
-              <a:rPr lang="zh-TW" altLang="en-US" smtClean="0"/>
+              <a:rPr lang="zh-TW" altLang="en-US"/>
               <a:t>第四層</a:t>
             </a:r>
           </a:p>
           <a:p>
             <a:pPr lvl="4"/>
             <a:r>
-              <a:rPr lang="zh-TW" altLang="en-US" smtClean="0"/>
+              <a:rPr lang="zh-TW" altLang="en-US"/>
               <a:t>第五層</a:t>
             </a:r>
-            <a:endParaRPr lang="zh-TW" altLang="en-US"/>
           </a:p>
         </p:txBody>
       </p:sp>
@@ -2031,7 +2030,7 @@
           <a:p>
             <a:pPr lvl="0"/>
             <a:r>
-              <a:rPr lang="zh-TW" altLang="en-US" smtClean="0"/>
+              <a:rPr lang="zh-TW" altLang="en-US"/>
               <a:t>按一下以編輯母片文字樣式</a:t>
             </a:r>
           </a:p>
@@ -2087,38 +2086,37 @@
           <a:p>
             <a:pPr lvl="0"/>
             <a:r>
-              <a:rPr lang="zh-TW" altLang="en-US" smtClean="0"/>
+              <a:rPr lang="zh-TW" altLang="en-US"/>
               <a:t>按一下以編輯母片文字樣式</a:t>
             </a:r>
           </a:p>
           <a:p>
             <a:pPr lvl="1"/>
             <a:r>
-              <a:rPr lang="zh-TW" altLang="en-US" smtClean="0"/>
+              <a:rPr lang="zh-TW" altLang="en-US"/>
               <a:t>第二層</a:t>
             </a:r>
           </a:p>
           <a:p>
             <a:pPr lvl="2"/>
             <a:r>
-              <a:rPr lang="zh-TW" altLang="en-US" smtClean="0"/>
+              <a:rPr lang="zh-TW" altLang="en-US"/>
               <a:t>第三層</a:t>
             </a:r>
           </a:p>
           <a:p>
             <a:pPr lvl="3"/>
             <a:r>
-              <a:rPr lang="zh-TW" altLang="en-US" smtClean="0"/>
+              <a:rPr lang="zh-TW" altLang="en-US"/>
               <a:t>第四層</a:t>
             </a:r>
           </a:p>
           <a:p>
             <a:pPr lvl="4"/>
             <a:r>
-              <a:rPr lang="zh-TW" altLang="en-US" smtClean="0"/>
+              <a:rPr lang="zh-TW" altLang="en-US"/>
               <a:t>第五層</a:t>
             </a:r>
-            <a:endParaRPr lang="zh-TW" altLang="en-US"/>
           </a:p>
         </p:txBody>
       </p:sp>
@@ -2139,7 +2137,7 @@
           <a:p>
             <a:fld id="{4928C6AC-BB5A-4F0E-BAB5-A6E5EF55A187}" type="datetimeFigureOut">
               <a:rPr lang="zh-TW" altLang="en-US" smtClean="0"/>
-              <a:t>2020/11/27</a:t>
+              <a:t>2021/10/18</a:t>
             </a:fld>
             <a:endParaRPr lang="zh-TW" altLang="en-US"/>
           </a:p>
@@ -2233,10 +2231,9 @@
           <a:lstStyle/>
           <a:p>
             <a:r>
-              <a:rPr lang="zh-TW" altLang="en-US" smtClean="0"/>
+              <a:rPr lang="zh-TW" altLang="en-US"/>
               <a:t>按一下以編輯母片標題樣式</a:t>
             </a:r>
-            <a:endParaRPr lang="zh-TW" altLang="en-US"/>
           </a:p>
         </p:txBody>
       </p:sp>
@@ -2257,7 +2254,7 @@
           <a:p>
             <a:fld id="{4928C6AC-BB5A-4F0E-BAB5-A6E5EF55A187}" type="datetimeFigureOut">
               <a:rPr lang="zh-TW" altLang="en-US" smtClean="0"/>
-              <a:t>2020/11/27</a:t>
+              <a:t>2021/10/18</a:t>
             </a:fld>
             <a:endParaRPr lang="zh-TW" altLang="en-US"/>
           </a:p>
@@ -2352,7 +2349,7 @@
           <a:p>
             <a:fld id="{4928C6AC-BB5A-4F0E-BAB5-A6E5EF55A187}" type="datetimeFigureOut">
               <a:rPr lang="zh-TW" altLang="en-US" smtClean="0"/>
-              <a:t>2020/11/27</a:t>
+              <a:t>2021/10/18</a:t>
             </a:fld>
             <a:endParaRPr lang="zh-TW" altLang="en-US"/>
           </a:p>
@@ -2455,10 +2452,9 @@
           </a:lstStyle>
           <a:p>
             <a:r>
-              <a:rPr lang="zh-TW" altLang="en-US" smtClean="0"/>
+              <a:rPr lang="zh-TW" altLang="en-US"/>
               <a:t>按一下以編輯母片標題樣式</a:t>
             </a:r>
-            <a:endParaRPr lang="zh-TW" altLang="en-US"/>
           </a:p>
         </p:txBody>
       </p:sp>
@@ -2512,38 +2508,37 @@
           <a:p>
             <a:pPr lvl="0"/>
             <a:r>
-              <a:rPr lang="zh-TW" altLang="en-US" smtClean="0"/>
+              <a:rPr lang="zh-TW" altLang="en-US"/>
               <a:t>按一下以編輯母片文字樣式</a:t>
             </a:r>
           </a:p>
           <a:p>
             <a:pPr lvl="1"/>
             <a:r>
-              <a:rPr lang="zh-TW" altLang="en-US" smtClean="0"/>
+              <a:rPr lang="zh-TW" altLang="en-US"/>
               <a:t>第二層</a:t>
             </a:r>
           </a:p>
           <a:p>
             <a:pPr lvl="2"/>
             <a:r>
-              <a:rPr lang="zh-TW" altLang="en-US" smtClean="0"/>
+              <a:rPr lang="zh-TW" altLang="en-US"/>
               <a:t>第三層</a:t>
             </a:r>
           </a:p>
           <a:p>
             <a:pPr lvl="3"/>
             <a:r>
-              <a:rPr lang="zh-TW" altLang="en-US" smtClean="0"/>
+              <a:rPr lang="zh-TW" altLang="en-US"/>
               <a:t>第四層</a:t>
             </a:r>
           </a:p>
           <a:p>
             <a:pPr lvl="4"/>
             <a:r>
-              <a:rPr lang="zh-TW" altLang="en-US" smtClean="0"/>
+              <a:rPr lang="zh-TW" altLang="en-US"/>
               <a:t>第五層</a:t>
             </a:r>
-            <a:endParaRPr lang="zh-TW" altLang="en-US"/>
           </a:p>
         </p:txBody>
       </p:sp>
@@ -2606,7 +2601,7 @@
           <a:p>
             <a:pPr lvl="0"/>
             <a:r>
-              <a:rPr lang="zh-TW" altLang="en-US" smtClean="0"/>
+              <a:rPr lang="zh-TW" altLang="en-US"/>
               <a:t>按一下以編輯母片文字樣式</a:t>
             </a:r>
           </a:p>
@@ -2629,7 +2624,7 @@
           <a:p>
             <a:fld id="{4928C6AC-BB5A-4F0E-BAB5-A6E5EF55A187}" type="datetimeFigureOut">
               <a:rPr lang="zh-TW" altLang="en-US" smtClean="0"/>
-              <a:t>2020/11/27</a:t>
+              <a:t>2021/10/18</a:t>
             </a:fld>
             <a:endParaRPr lang="zh-TW" altLang="en-US"/>
           </a:p>
@@ -2732,10 +2727,9 @@
           </a:lstStyle>
           <a:p>
             <a:r>
-              <a:rPr lang="zh-TW" altLang="en-US" smtClean="0"/>
+              <a:rPr lang="zh-TW" altLang="en-US"/>
               <a:t>按一下以編輯母片標題樣式</a:t>
             </a:r>
-            <a:endParaRPr lang="zh-TW" altLang="en-US"/>
           </a:p>
         </p:txBody>
       </p:sp>
@@ -2859,7 +2853,7 @@
           <a:p>
             <a:pPr lvl="0"/>
             <a:r>
-              <a:rPr lang="zh-TW" altLang="en-US" smtClean="0"/>
+              <a:rPr lang="zh-TW" altLang="en-US"/>
               <a:t>按一下以編輯母片文字樣式</a:t>
             </a:r>
           </a:p>
@@ -2882,7 +2876,7 @@
           <a:p>
             <a:fld id="{4928C6AC-BB5A-4F0E-BAB5-A6E5EF55A187}" type="datetimeFigureOut">
               <a:rPr lang="zh-TW" altLang="en-US" smtClean="0"/>
-              <a:t>2020/11/27</a:t>
+              <a:t>2021/10/18</a:t>
             </a:fld>
             <a:endParaRPr lang="zh-TW" altLang="en-US"/>
           </a:p>
@@ -2991,10 +2985,9 @@
           <a:lstStyle/>
           <a:p>
             <a:r>
-              <a:rPr lang="zh-TW" altLang="en-US" smtClean="0"/>
+              <a:rPr lang="zh-TW" altLang="en-US"/>
               <a:t>按一下以編輯母片標題樣式</a:t>
             </a:r>
-            <a:endParaRPr lang="zh-TW" altLang="en-US"/>
           </a:p>
         </p:txBody>
       </p:sp>
@@ -3025,38 +3018,37 @@
           <a:p>
             <a:pPr lvl="0"/>
             <a:r>
-              <a:rPr lang="zh-TW" altLang="en-US" smtClean="0"/>
+              <a:rPr lang="zh-TW" altLang="en-US"/>
               <a:t>按一下以編輯母片文字樣式</a:t>
             </a:r>
           </a:p>
           <a:p>
             <a:pPr lvl="1"/>
             <a:r>
-              <a:rPr lang="zh-TW" altLang="en-US" smtClean="0"/>
+              <a:rPr lang="zh-TW" altLang="en-US"/>
               <a:t>第二層</a:t>
             </a:r>
           </a:p>
           <a:p>
             <a:pPr lvl="2"/>
             <a:r>
-              <a:rPr lang="zh-TW" altLang="en-US" smtClean="0"/>
+              <a:rPr lang="zh-TW" altLang="en-US"/>
               <a:t>第三層</a:t>
             </a:r>
           </a:p>
           <a:p>
             <a:pPr lvl="3"/>
             <a:r>
-              <a:rPr lang="zh-TW" altLang="en-US" smtClean="0"/>
+              <a:rPr lang="zh-TW" altLang="en-US"/>
               <a:t>第四層</a:t>
             </a:r>
           </a:p>
           <a:p>
             <a:pPr lvl="4"/>
             <a:r>
-              <a:rPr lang="zh-TW" altLang="en-US" smtClean="0"/>
+              <a:rPr lang="zh-TW" altLang="en-US"/>
               <a:t>第五層</a:t>
             </a:r>
-            <a:endParaRPr lang="zh-TW" altLang="en-US"/>
           </a:p>
         </p:txBody>
       </p:sp>
@@ -3095,7 +3087,7 @@
           <a:p>
             <a:fld id="{4928C6AC-BB5A-4F0E-BAB5-A6E5EF55A187}" type="datetimeFigureOut">
               <a:rPr lang="zh-TW" altLang="en-US" smtClean="0"/>
-              <a:t>2020/11/27</a:t>
+              <a:t>2021/10/18</a:t>
             </a:fld>
             <a:endParaRPr lang="zh-TW" altLang="en-US"/>
           </a:p>
@@ -3486,10 +3478,9 @@
           <a:lstStyle/>
           <a:p>
             <a:r>
-              <a:rPr lang="zh-TW" altLang="en-US" dirty="0" smtClean="0"/>
-              <a:t>常見之程式處理資料模式</a:t>
-            </a:r>
-            <a:endParaRPr lang="zh-TW" altLang="en-US" dirty="0"/>
+              <a:rPr lang="zh-TW" altLang="en-US" dirty="0"/>
+              <a:t>程式分析資料步驟</a:t>
+            </a:r>
           </a:p>
         </p:txBody>
       </p:sp>
@@ -3522,13 +3513,1534 @@
   <p:clrMapOvr>
     <a:masterClrMapping/>
   </p:clrMapOvr>
-  <p:timing>
-    <p:tnLst>
-      <p:par>
-        <p:cTn id="1" dur="indefinite" restart="never" nodeType="tmRoot"/>
-      </p:par>
-    </p:tnLst>
-  </p:timing>
+</p:sld>
+</file>
+
+<file path=ppt/slides/slide10.xml><?xml version="1.0" encoding="utf-8"?>
+<p:sld xmlns:a="http://schemas.openxmlformats.org/drawingml/2006/main" xmlns:r="http://schemas.openxmlformats.org/officeDocument/2006/relationships" xmlns:p="http://schemas.openxmlformats.org/presentationml/2006/main">
+  <p:cSld>
+    <p:spTree>
+      <p:nvGrpSpPr>
+        <p:cNvPr id="1" name=""/>
+        <p:cNvGrpSpPr/>
+        <p:nvPr/>
+      </p:nvGrpSpPr>
+      <p:grpSpPr>
+        <a:xfrm>
+          <a:off x="0" y="0"/>
+          <a:ext cx="0" cy="0"/>
+          <a:chOff x="0" y="0"/>
+          <a:chExt cx="0" cy="0"/>
+        </a:xfrm>
+      </p:grpSpPr>
+      <p:sp>
+        <p:nvSpPr>
+          <p:cNvPr id="2" name="標題 1">
+            <a:extLst>
+              <a:ext uri="{FF2B5EF4-FFF2-40B4-BE49-F238E27FC236}">
+                <a16:creationId xmlns:a16="http://schemas.microsoft.com/office/drawing/2014/main" id="{17264E1C-BC80-4A62-B78D-96D60E57CC15}"/>
+              </a:ext>
+            </a:extLst>
+          </p:cNvPr>
+          <p:cNvSpPr>
+            <a:spLocks noGrp="1"/>
+          </p:cNvSpPr>
+          <p:nvPr>
+            <p:ph type="title"/>
+          </p:nvPr>
+        </p:nvSpPr>
+        <p:spPr/>
+        <p:txBody>
+          <a:bodyPr/>
+          <a:lstStyle/>
+          <a:p>
+            <a:r>
+              <a:rPr lang="zh-TW" altLang="en-US" dirty="0"/>
+              <a:t>電腦及開發環境資料規格議題</a:t>
+            </a:r>
+          </a:p>
+        </p:txBody>
+      </p:sp>
+      <p:sp>
+        <p:nvSpPr>
+          <p:cNvPr id="3" name="內容版面配置區 2">
+            <a:extLst>
+              <a:ext uri="{FF2B5EF4-FFF2-40B4-BE49-F238E27FC236}">
+                <a16:creationId xmlns:a16="http://schemas.microsoft.com/office/drawing/2014/main" id="{C6D3A5F1-10C2-4A6A-91C2-213E7E875146}"/>
+              </a:ext>
+            </a:extLst>
+          </p:cNvPr>
+          <p:cNvSpPr>
+            <a:spLocks noGrp="1"/>
+          </p:cNvSpPr>
+          <p:nvPr>
+            <p:ph idx="1"/>
+          </p:nvPr>
+        </p:nvSpPr>
+        <p:spPr>
+          <a:xfrm>
+            <a:off x="457200" y="1417638"/>
+            <a:ext cx="8229600" cy="4525963"/>
+          </a:xfrm>
+        </p:spPr>
+        <p:txBody>
+          <a:bodyPr/>
+          <a:lstStyle/>
+          <a:p>
+            <a:r>
+              <a:rPr lang="zh-TW" altLang="en-US" dirty="0"/>
+              <a:t>泛指微處理器（</a:t>
+            </a:r>
+            <a:r>
+              <a:rPr lang="en-US" altLang="zh-TW" dirty="0"/>
+              <a:t>MPU</a:t>
+            </a:r>
+            <a:r>
+              <a:rPr lang="zh-TW" altLang="en-US" dirty="0"/>
+              <a:t>：</a:t>
+            </a:r>
+            <a:r>
+              <a:rPr lang="en-US" altLang="zh-TW" dirty="0"/>
+              <a:t>Micro Processing Unit)</a:t>
+            </a:r>
+            <a:r>
+              <a:rPr lang="zh-TW" altLang="en-US" dirty="0"/>
+              <a:t>、手機、</a:t>
+            </a:r>
+            <a:r>
+              <a:rPr lang="en-US" altLang="zh-TW" dirty="0"/>
+              <a:t>windows</a:t>
+            </a:r>
+            <a:r>
+              <a:rPr lang="zh-TW" altLang="en-US" dirty="0"/>
+              <a:t>、</a:t>
+            </a:r>
+            <a:r>
+              <a:rPr lang="en-US" altLang="zh-TW" dirty="0"/>
+              <a:t>Linus</a:t>
+            </a:r>
+            <a:r>
+              <a:rPr lang="zh-TW" altLang="en-US" dirty="0"/>
+              <a:t> 等</a:t>
+            </a:r>
+            <a:endParaRPr lang="en-US" altLang="zh-TW" dirty="0"/>
+          </a:p>
+          <a:p>
+            <a:r>
+              <a:rPr lang="zh-TW" altLang="en-US" dirty="0"/>
+              <a:t>主要以  </a:t>
+            </a:r>
+            <a:r>
+              <a:rPr lang="en-US" altLang="zh-TW" dirty="0"/>
+              <a:t>byte ( 8 bits) </a:t>
+            </a:r>
+            <a:r>
+              <a:rPr lang="zh-TW" altLang="en-US" dirty="0"/>
+              <a:t>為單位，但其採用之整數及浮點數格式可能不同</a:t>
+            </a:r>
+            <a:endParaRPr lang="en-US" altLang="zh-TW" dirty="0"/>
+          </a:p>
+          <a:p>
+            <a:pPr lvl="1"/>
+            <a:r>
+              <a:rPr lang="en-US" altLang="zh-TW" dirty="0"/>
+              <a:t>1,2,4,8 </a:t>
+            </a:r>
+            <a:r>
+              <a:rPr lang="zh-TW" altLang="en-US" dirty="0"/>
+              <a:t>整數及浮點數</a:t>
+            </a:r>
+            <a:endParaRPr lang="en-US" altLang="zh-TW" dirty="0"/>
+          </a:p>
+          <a:p>
+            <a:pPr lvl="1"/>
+            <a:r>
+              <a:rPr lang="zh-TW" altLang="en-US" dirty="0"/>
+              <a:t>有無正負號、小數點精確度</a:t>
+            </a:r>
+            <a:endParaRPr lang="en-US" altLang="zh-TW" dirty="0"/>
+          </a:p>
+          <a:p>
+            <a:pPr lvl="1"/>
+            <a:r>
+              <a:rPr lang="en-US" altLang="zh-TW" dirty="0"/>
+              <a:t>Bytes </a:t>
+            </a:r>
+            <a:r>
+              <a:rPr lang="zh-TW" altLang="en-US" dirty="0"/>
+              <a:t>排列次序</a:t>
+            </a:r>
+            <a:endParaRPr lang="en-US" altLang="zh-TW" dirty="0"/>
+          </a:p>
+          <a:p>
+            <a:pPr lvl="2"/>
+            <a:r>
+              <a:rPr lang="en-US" altLang="zh-TW" dirty="0"/>
+              <a:t>https://blog.gtwang.org/programming/difference-between-big-endian-and-little-endian-implementation-in-c/</a:t>
+            </a:r>
+            <a:endParaRPr lang="zh-TW" altLang="en-US" dirty="0"/>
+          </a:p>
+        </p:txBody>
+      </p:sp>
+    </p:spTree>
+    <p:extLst>
+      <p:ext uri="{BB962C8B-B14F-4D97-AF65-F5344CB8AC3E}">
+        <p14:creationId xmlns:p14="http://schemas.microsoft.com/office/powerpoint/2010/main" val="848186231"/>
+      </p:ext>
+    </p:extLst>
+  </p:cSld>
+  <p:clrMapOvr>
+    <a:masterClrMapping/>
+  </p:clrMapOvr>
+</p:sld>
+</file>
+
+<file path=ppt/slides/slide11.xml><?xml version="1.0" encoding="utf-8"?>
+<p:sld xmlns:a="http://schemas.openxmlformats.org/drawingml/2006/main" xmlns:r="http://schemas.openxmlformats.org/officeDocument/2006/relationships" xmlns:p="http://schemas.openxmlformats.org/presentationml/2006/main">
+  <p:cSld>
+    <p:spTree>
+      <p:nvGrpSpPr>
+        <p:cNvPr id="1" name=""/>
+        <p:cNvGrpSpPr/>
+        <p:nvPr/>
+      </p:nvGrpSpPr>
+      <p:grpSpPr>
+        <a:xfrm>
+          <a:off x="0" y="0"/>
+          <a:ext cx="0" cy="0"/>
+          <a:chOff x="0" y="0"/>
+          <a:chExt cx="0" cy="0"/>
+        </a:xfrm>
+      </p:grpSpPr>
+      <p:sp>
+        <p:nvSpPr>
+          <p:cNvPr id="2" name="標題 1">
+            <a:extLst>
+              <a:ext uri="{FF2B5EF4-FFF2-40B4-BE49-F238E27FC236}">
+                <a16:creationId xmlns:a16="http://schemas.microsoft.com/office/drawing/2014/main" id="{41BED806-E169-4ECF-8A6C-C0869147866C}"/>
+              </a:ext>
+            </a:extLst>
+          </p:cNvPr>
+          <p:cNvSpPr>
+            <a:spLocks noGrp="1"/>
+          </p:cNvSpPr>
+          <p:nvPr>
+            <p:ph type="title"/>
+          </p:nvPr>
+        </p:nvSpPr>
+        <p:spPr/>
+        <p:txBody>
+          <a:bodyPr/>
+          <a:lstStyle/>
+          <a:p>
+            <a:r>
+              <a:rPr lang="zh-TW" altLang="en-US" dirty="0"/>
+              <a:t>資料壓縮問題</a:t>
+            </a:r>
+          </a:p>
+        </p:txBody>
+      </p:sp>
+      <p:sp>
+        <p:nvSpPr>
+          <p:cNvPr id="3" name="內容版面配置區 2">
+            <a:extLst>
+              <a:ext uri="{FF2B5EF4-FFF2-40B4-BE49-F238E27FC236}">
+                <a16:creationId xmlns:a16="http://schemas.microsoft.com/office/drawing/2014/main" id="{5F9255B4-21CA-4FDD-A667-00257441CEAC}"/>
+              </a:ext>
+            </a:extLst>
+          </p:cNvPr>
+          <p:cNvSpPr>
+            <a:spLocks noGrp="1"/>
+          </p:cNvSpPr>
+          <p:nvPr>
+            <p:ph idx="1"/>
+          </p:nvPr>
+        </p:nvSpPr>
+        <p:spPr>
+          <a:xfrm>
+            <a:off x="444843" y="1484784"/>
+            <a:ext cx="8229600" cy="4525963"/>
+          </a:xfrm>
+        </p:spPr>
+        <p:txBody>
+          <a:bodyPr/>
+          <a:lstStyle/>
+          <a:p>
+            <a:r>
+              <a:rPr lang="zh-TW" altLang="en-US" dirty="0"/>
+              <a:t>圖像、影音、連續性訊號、</a:t>
+            </a:r>
+            <a:r>
+              <a:rPr lang="en-US" altLang="zh-TW" dirty="0"/>
+              <a:t>NGS</a:t>
+            </a:r>
+            <a:r>
+              <a:rPr lang="zh-TW" altLang="en-US" dirty="0"/>
+              <a:t> 等大檔案資料通常會壓縮</a:t>
+            </a:r>
+            <a:endParaRPr lang="en-US" altLang="zh-TW" dirty="0"/>
+          </a:p>
+          <a:p>
+            <a:r>
+              <a:rPr lang="zh-TW" altLang="en-US" dirty="0"/>
+              <a:t>減輕資料儲存及傳輸負擔</a:t>
+            </a:r>
+            <a:endParaRPr lang="en-US" altLang="zh-TW" dirty="0"/>
+          </a:p>
+          <a:p>
+            <a:r>
+              <a:rPr lang="zh-TW" altLang="en-US" dirty="0"/>
+              <a:t>方式非常多，壓縮及解壓縮須採對應的方式</a:t>
+            </a:r>
+            <a:endParaRPr lang="en-US" altLang="zh-TW" dirty="0"/>
+          </a:p>
+          <a:p>
+            <a:r>
+              <a:rPr lang="zh-TW" altLang="en-US" dirty="0"/>
+              <a:t>有哪些常見的壓縮格式</a:t>
+            </a:r>
+            <a:r>
+              <a:rPr lang="en-US" altLang="zh-TW" dirty="0"/>
+              <a:t>?</a:t>
+            </a:r>
+          </a:p>
+          <a:p>
+            <a:r>
+              <a:rPr lang="zh-TW" altLang="en-US" dirty="0"/>
+              <a:t>如何判斷檔案的壓縮格式</a:t>
+            </a:r>
+            <a:r>
+              <a:rPr lang="en-US" altLang="zh-TW" dirty="0"/>
+              <a:t>?</a:t>
+            </a:r>
+          </a:p>
+          <a:p>
+            <a:r>
+              <a:rPr lang="zh-TW" altLang="en-US" dirty="0"/>
+              <a:t>壓縮後的資料，長度不固定，程式如何記錄及解讀</a:t>
+            </a:r>
+            <a:r>
+              <a:rPr lang="en-US" altLang="zh-TW" dirty="0"/>
+              <a:t>?</a:t>
+            </a:r>
+            <a:endParaRPr lang="zh-TW" altLang="en-US" dirty="0"/>
+          </a:p>
+        </p:txBody>
+      </p:sp>
+    </p:spTree>
+    <p:extLst>
+      <p:ext uri="{BB962C8B-B14F-4D97-AF65-F5344CB8AC3E}">
+        <p14:creationId xmlns:p14="http://schemas.microsoft.com/office/powerpoint/2010/main" val="791012718"/>
+      </p:ext>
+    </p:extLst>
+  </p:cSld>
+  <p:clrMapOvr>
+    <a:masterClrMapping/>
+  </p:clrMapOvr>
+</p:sld>
+</file>
+
+<file path=ppt/slides/slide12.xml><?xml version="1.0" encoding="utf-8"?>
+<p:sld xmlns:a="http://schemas.openxmlformats.org/drawingml/2006/main" xmlns:r="http://schemas.openxmlformats.org/officeDocument/2006/relationships" xmlns:p="http://schemas.openxmlformats.org/presentationml/2006/main">
+  <p:cSld>
+    <p:spTree>
+      <p:nvGrpSpPr>
+        <p:cNvPr id="1" name=""/>
+        <p:cNvGrpSpPr/>
+        <p:nvPr/>
+      </p:nvGrpSpPr>
+      <p:grpSpPr>
+        <a:xfrm>
+          <a:off x="0" y="0"/>
+          <a:ext cx="0" cy="0"/>
+          <a:chOff x="0" y="0"/>
+          <a:chExt cx="0" cy="0"/>
+        </a:xfrm>
+      </p:grpSpPr>
+      <p:sp>
+        <p:nvSpPr>
+          <p:cNvPr id="2" name="標題 1">
+            <a:extLst>
+              <a:ext uri="{FF2B5EF4-FFF2-40B4-BE49-F238E27FC236}">
+                <a16:creationId xmlns:a16="http://schemas.microsoft.com/office/drawing/2014/main" id="{BDACB488-59BA-427F-9604-ACDD4E8C9ABA}"/>
+              </a:ext>
+            </a:extLst>
+          </p:cNvPr>
+          <p:cNvSpPr>
+            <a:spLocks noGrp="1"/>
+          </p:cNvSpPr>
+          <p:nvPr>
+            <p:ph type="title"/>
+          </p:nvPr>
+        </p:nvSpPr>
+        <p:spPr/>
+        <p:txBody>
+          <a:bodyPr/>
+          <a:lstStyle/>
+          <a:p>
+            <a:r>
+              <a:rPr lang="zh-TW" altLang="en-US" dirty="0"/>
+              <a:t>物件導向程式資料互通議題</a:t>
+            </a:r>
+          </a:p>
+        </p:txBody>
+      </p:sp>
+      <p:sp>
+        <p:nvSpPr>
+          <p:cNvPr id="3" name="內容版面配置區 2">
+            <a:extLst>
+              <a:ext uri="{FF2B5EF4-FFF2-40B4-BE49-F238E27FC236}">
+                <a16:creationId xmlns:a16="http://schemas.microsoft.com/office/drawing/2014/main" id="{67D4EB16-7BE6-4DD4-8E34-6A19A703352E}"/>
+              </a:ext>
+            </a:extLst>
+          </p:cNvPr>
+          <p:cNvSpPr>
+            <a:spLocks noGrp="1"/>
+          </p:cNvSpPr>
+          <p:nvPr>
+            <p:ph idx="1"/>
+          </p:nvPr>
+        </p:nvSpPr>
+        <p:spPr/>
+        <p:txBody>
+          <a:bodyPr/>
+          <a:lstStyle/>
+          <a:p>
+            <a:r>
+              <a:rPr lang="zh-TW" altLang="en-US" dirty="0"/>
+              <a:t>較有水準的工程師會採用物件來紀錄及處理資料</a:t>
+            </a:r>
+            <a:endParaRPr lang="en-US" altLang="zh-TW" dirty="0"/>
+          </a:p>
+          <a:p>
+            <a:r>
+              <a:rPr lang="en-US" altLang="zh-TW" dirty="0"/>
+              <a:t>C++</a:t>
+            </a:r>
+            <a:r>
+              <a:rPr lang="zh-TW" altLang="en-US" dirty="0"/>
+              <a:t>、</a:t>
+            </a:r>
+            <a:r>
+              <a:rPr lang="en-US" altLang="zh-TW" dirty="0"/>
+              <a:t>Java</a:t>
+            </a:r>
+            <a:r>
+              <a:rPr lang="zh-TW" altLang="en-US" dirty="0"/>
+              <a:t>、</a:t>
+            </a:r>
+            <a:r>
+              <a:rPr lang="en-US" altLang="zh-TW" dirty="0"/>
+              <a:t>JavaScript</a:t>
+            </a:r>
+            <a:r>
+              <a:rPr lang="zh-TW" altLang="en-US" dirty="0"/>
+              <a:t>、</a:t>
+            </a:r>
+            <a:r>
+              <a:rPr lang="en-US" altLang="zh-TW" dirty="0"/>
+              <a:t>Python </a:t>
+            </a:r>
+            <a:r>
+              <a:rPr lang="zh-TW" altLang="en-US" dirty="0"/>
+              <a:t>皆可為物件導向程式</a:t>
+            </a:r>
+            <a:endParaRPr lang="en-US" altLang="zh-TW" dirty="0"/>
+          </a:p>
+          <a:p>
+            <a:endParaRPr lang="en-US" altLang="zh-TW" dirty="0"/>
+          </a:p>
+          <a:p>
+            <a:r>
+              <a:rPr lang="zh-TW" altLang="en-US" dirty="0"/>
+              <a:t>如何整理出通用的規格，方便各式程式參考使用</a:t>
+            </a:r>
+            <a:endParaRPr lang="en-US" altLang="zh-TW" dirty="0"/>
+          </a:p>
+          <a:p>
+            <a:endParaRPr lang="en-US" altLang="zh-TW" dirty="0"/>
+          </a:p>
+          <a:p>
+            <a:endParaRPr lang="zh-TW" altLang="en-US" dirty="0"/>
+          </a:p>
+        </p:txBody>
+      </p:sp>
+    </p:spTree>
+    <p:extLst>
+      <p:ext uri="{BB962C8B-B14F-4D97-AF65-F5344CB8AC3E}">
+        <p14:creationId xmlns:p14="http://schemas.microsoft.com/office/powerpoint/2010/main" val="4253425103"/>
+      </p:ext>
+    </p:extLst>
+  </p:cSld>
+  <p:clrMapOvr>
+    <a:masterClrMapping/>
+  </p:clrMapOvr>
+</p:sld>
+</file>
+
+<file path=ppt/slides/slide13.xml><?xml version="1.0" encoding="utf-8"?>
+<p:sld xmlns:a="http://schemas.openxmlformats.org/drawingml/2006/main" xmlns:r="http://schemas.openxmlformats.org/officeDocument/2006/relationships" xmlns:p="http://schemas.openxmlformats.org/presentationml/2006/main">
+  <p:cSld>
+    <p:spTree>
+      <p:nvGrpSpPr>
+        <p:cNvPr id="1" name=""/>
+        <p:cNvGrpSpPr/>
+        <p:nvPr/>
+      </p:nvGrpSpPr>
+      <p:grpSpPr>
+        <a:xfrm>
+          <a:off x="0" y="0"/>
+          <a:ext cx="0" cy="0"/>
+          <a:chOff x="0" y="0"/>
+          <a:chExt cx="0" cy="0"/>
+        </a:xfrm>
+      </p:grpSpPr>
+      <p:sp>
+        <p:nvSpPr>
+          <p:cNvPr id="2" name="標題 1">
+            <a:extLst>
+              <a:ext uri="{FF2B5EF4-FFF2-40B4-BE49-F238E27FC236}">
+                <a16:creationId xmlns:a16="http://schemas.microsoft.com/office/drawing/2014/main" id="{DEC2A04C-281C-4D48-84E8-024B08F7A721}"/>
+              </a:ext>
+            </a:extLst>
+          </p:cNvPr>
+          <p:cNvSpPr>
+            <a:spLocks noGrp="1"/>
+          </p:cNvSpPr>
+          <p:nvPr>
+            <p:ph type="title"/>
+          </p:nvPr>
+        </p:nvSpPr>
+        <p:spPr/>
+        <p:txBody>
+          <a:bodyPr/>
+          <a:lstStyle/>
+          <a:p>
+            <a:r>
+              <a:rPr lang="zh-TW" altLang="en-US" dirty="0"/>
+              <a:t>自訂資料規格之優缺點</a:t>
+            </a:r>
+          </a:p>
+        </p:txBody>
+      </p:sp>
+      <p:sp>
+        <p:nvSpPr>
+          <p:cNvPr id="3" name="內容版面配置區 2">
+            <a:extLst>
+              <a:ext uri="{FF2B5EF4-FFF2-40B4-BE49-F238E27FC236}">
+                <a16:creationId xmlns:a16="http://schemas.microsoft.com/office/drawing/2014/main" id="{26E5A0D6-631E-4A19-8F09-7BBACEB7CC3F}"/>
+              </a:ext>
+            </a:extLst>
+          </p:cNvPr>
+          <p:cNvSpPr>
+            <a:spLocks noGrp="1"/>
+          </p:cNvSpPr>
+          <p:nvPr>
+            <p:ph idx="1"/>
+          </p:nvPr>
+        </p:nvSpPr>
+        <p:spPr/>
+        <p:txBody>
+          <a:bodyPr/>
+          <a:lstStyle/>
+          <a:p>
+            <a:r>
+              <a:rPr lang="zh-TW" altLang="en-US" dirty="0"/>
+              <a:t>由開發廠商及資訊人員自訂</a:t>
+            </a:r>
+            <a:endParaRPr lang="en-US" altLang="zh-TW" dirty="0"/>
+          </a:p>
+          <a:p>
+            <a:pPr lvl="1"/>
+            <a:r>
+              <a:rPr lang="zh-TW" altLang="en-US" dirty="0"/>
+              <a:t>對其最方便</a:t>
+            </a:r>
+            <a:endParaRPr lang="en-US" altLang="zh-TW" dirty="0"/>
+          </a:p>
+          <a:p>
+            <a:pPr lvl="2"/>
+            <a:r>
+              <a:rPr lang="zh-TW" altLang="en-US" dirty="0"/>
+              <a:t>同一應用，每個人視野及設計出的資料規格可能都不同</a:t>
+            </a:r>
+            <a:endParaRPr lang="en-US" altLang="zh-TW" dirty="0"/>
+          </a:p>
+          <a:p>
+            <a:pPr lvl="1"/>
+            <a:r>
+              <a:rPr lang="zh-TW" altLang="en-US" dirty="0"/>
+              <a:t>可搭配形成資料規格專利</a:t>
+            </a:r>
+            <a:endParaRPr lang="en-US" altLang="zh-TW" dirty="0"/>
+          </a:p>
+          <a:p>
+            <a:pPr lvl="1"/>
+            <a:r>
+              <a:rPr lang="zh-TW" altLang="en-US" dirty="0"/>
+              <a:t>他人</a:t>
+            </a:r>
+            <a:r>
+              <a:rPr lang="en-US" altLang="zh-TW" dirty="0"/>
+              <a:t>(</a:t>
+            </a:r>
+            <a:r>
+              <a:rPr lang="zh-TW" altLang="en-US" dirty="0"/>
+              <a:t>他廠</a:t>
+            </a:r>
+            <a:r>
+              <a:rPr lang="en-US" altLang="zh-TW" dirty="0"/>
+              <a:t>)</a:t>
+            </a:r>
+            <a:r>
+              <a:rPr lang="zh-TW" altLang="en-US" dirty="0"/>
+              <a:t>不易解析 </a:t>
+            </a:r>
+            <a:endParaRPr lang="en-US" altLang="zh-TW" dirty="0"/>
+          </a:p>
+          <a:p>
+            <a:pPr lvl="2"/>
+            <a:r>
+              <a:rPr lang="zh-TW" altLang="en-US" dirty="0"/>
+              <a:t>對原廠有利、對他人很不方便</a:t>
+            </a:r>
+            <a:endParaRPr lang="en-US" altLang="zh-TW" dirty="0"/>
+          </a:p>
+          <a:p>
+            <a:pPr lvl="1"/>
+            <a:r>
+              <a:rPr lang="zh-TW" altLang="en-US" dirty="0"/>
+              <a:t>不利於資訊互通及擴充整合應用</a:t>
+            </a:r>
+          </a:p>
+        </p:txBody>
+      </p:sp>
+    </p:spTree>
+    <p:extLst>
+      <p:ext uri="{BB962C8B-B14F-4D97-AF65-F5344CB8AC3E}">
+        <p14:creationId xmlns:p14="http://schemas.microsoft.com/office/powerpoint/2010/main" val="4023270543"/>
+      </p:ext>
+    </p:extLst>
+  </p:cSld>
+  <p:clrMapOvr>
+    <a:masterClrMapping/>
+  </p:clrMapOvr>
+</p:sld>
+</file>
+
+<file path=ppt/slides/slide14.xml><?xml version="1.0" encoding="utf-8"?>
+<p:sld xmlns:a="http://schemas.openxmlformats.org/drawingml/2006/main" xmlns:r="http://schemas.openxmlformats.org/officeDocument/2006/relationships" xmlns:p="http://schemas.openxmlformats.org/presentationml/2006/main">
+  <p:cSld>
+    <p:spTree>
+      <p:nvGrpSpPr>
+        <p:cNvPr id="1" name=""/>
+        <p:cNvGrpSpPr/>
+        <p:nvPr/>
+      </p:nvGrpSpPr>
+      <p:grpSpPr>
+        <a:xfrm>
+          <a:off x="0" y="0"/>
+          <a:ext cx="0" cy="0"/>
+          <a:chOff x="0" y="0"/>
+          <a:chExt cx="0" cy="0"/>
+        </a:xfrm>
+      </p:grpSpPr>
+      <p:sp>
+        <p:nvSpPr>
+          <p:cNvPr id="2" name="標題 1">
+            <a:extLst>
+              <a:ext uri="{FF2B5EF4-FFF2-40B4-BE49-F238E27FC236}">
+                <a16:creationId xmlns:a16="http://schemas.microsoft.com/office/drawing/2014/main" id="{9BA13B73-4BC5-4C4F-8E66-6270DEAB6890}"/>
+              </a:ext>
+            </a:extLst>
+          </p:cNvPr>
+          <p:cNvSpPr>
+            <a:spLocks noGrp="1"/>
+          </p:cNvSpPr>
+          <p:nvPr>
+            <p:ph type="title"/>
+          </p:nvPr>
+        </p:nvSpPr>
+        <p:spPr/>
+        <p:txBody>
+          <a:bodyPr/>
+          <a:lstStyle/>
+          <a:p>
+            <a:r>
+              <a:rPr lang="zh-TW" altLang="en-US" dirty="0"/>
+              <a:t>程式解析資料</a:t>
+            </a:r>
+          </a:p>
+        </p:txBody>
+      </p:sp>
+      <p:sp>
+        <p:nvSpPr>
+          <p:cNvPr id="3" name="內容版面配置區 2">
+            <a:extLst>
+              <a:ext uri="{FF2B5EF4-FFF2-40B4-BE49-F238E27FC236}">
+                <a16:creationId xmlns:a16="http://schemas.microsoft.com/office/drawing/2014/main" id="{F8CE6714-56CC-4810-B193-D44460A79CA3}"/>
+              </a:ext>
+            </a:extLst>
+          </p:cNvPr>
+          <p:cNvSpPr>
+            <a:spLocks noGrp="1"/>
+          </p:cNvSpPr>
+          <p:nvPr>
+            <p:ph idx="1"/>
+          </p:nvPr>
+        </p:nvSpPr>
+        <p:spPr/>
+        <p:txBody>
+          <a:bodyPr/>
+          <a:lstStyle/>
+          <a:p>
+            <a:r>
+              <a:rPr lang="zh-TW" altLang="en-US" dirty="0"/>
+              <a:t>解析格式化文字檔</a:t>
+            </a:r>
+            <a:endParaRPr lang="en-US" altLang="zh-TW" dirty="0"/>
+          </a:p>
+          <a:p>
+            <a:r>
+              <a:rPr lang="en-US" altLang="zh-TW" dirty="0"/>
+              <a:t>CSV,JSON, XML</a:t>
+            </a:r>
+          </a:p>
+          <a:p>
+            <a:r>
+              <a:rPr lang="zh-TW" altLang="en-US" dirty="0"/>
+              <a:t>生醫訊號</a:t>
+            </a:r>
+            <a:endParaRPr lang="en-US" altLang="zh-TW" dirty="0"/>
+          </a:p>
+          <a:p>
+            <a:pPr lvl="1"/>
+            <a:r>
+              <a:rPr lang="zh-TW" altLang="en-US" dirty="0"/>
+              <a:t>如 </a:t>
+            </a:r>
+            <a:r>
+              <a:rPr lang="en-US" altLang="zh-TW" dirty="0"/>
+              <a:t>ECG, EBM </a:t>
+            </a:r>
+            <a:r>
+              <a:rPr lang="zh-TW" altLang="en-US" dirty="0"/>
+              <a:t>睡眠訊號</a:t>
+            </a:r>
+            <a:r>
+              <a:rPr lang="en-US" altLang="zh-TW" dirty="0"/>
+              <a:t>, IMU </a:t>
+            </a:r>
+            <a:r>
+              <a:rPr lang="zh-TW" altLang="en-US" dirty="0"/>
+              <a:t>運動紀錄</a:t>
+            </a:r>
+            <a:r>
+              <a:rPr lang="en-US" altLang="zh-TW" dirty="0"/>
+              <a:t>… </a:t>
+            </a:r>
+          </a:p>
+          <a:p>
+            <a:r>
+              <a:rPr lang="zh-TW" altLang="en-US" dirty="0"/>
+              <a:t>醫學影像</a:t>
+            </a:r>
+            <a:endParaRPr lang="en-US" altLang="zh-TW" dirty="0"/>
+          </a:p>
+          <a:p>
+            <a:r>
+              <a:rPr lang="zh-TW" altLang="en-US" dirty="0"/>
+              <a:t>基因資料</a:t>
+            </a:r>
+            <a:endParaRPr lang="en-US" altLang="zh-TW" dirty="0"/>
+          </a:p>
+          <a:p>
+            <a:endParaRPr lang="en-US" altLang="zh-TW" dirty="0"/>
+          </a:p>
+          <a:p>
+            <a:endParaRPr lang="zh-TW" altLang="en-US" dirty="0"/>
+          </a:p>
+        </p:txBody>
+      </p:sp>
+    </p:spTree>
+    <p:extLst>
+      <p:ext uri="{BB962C8B-B14F-4D97-AF65-F5344CB8AC3E}">
+        <p14:creationId xmlns:p14="http://schemas.microsoft.com/office/powerpoint/2010/main" val="3581504747"/>
+      </p:ext>
+    </p:extLst>
+  </p:cSld>
+  <p:clrMapOvr>
+    <a:masterClrMapping/>
+  </p:clrMapOvr>
+</p:sld>
+</file>
+
+<file path=ppt/slides/slide15.xml><?xml version="1.0" encoding="utf-8"?>
+<p:sld xmlns:a="http://schemas.openxmlformats.org/drawingml/2006/main" xmlns:r="http://schemas.openxmlformats.org/officeDocument/2006/relationships" xmlns:p="http://schemas.openxmlformats.org/presentationml/2006/main">
+  <p:cSld>
+    <p:spTree>
+      <p:nvGrpSpPr>
+        <p:cNvPr id="1" name=""/>
+        <p:cNvGrpSpPr/>
+        <p:nvPr/>
+      </p:nvGrpSpPr>
+      <p:grpSpPr>
+        <a:xfrm>
+          <a:off x="0" y="0"/>
+          <a:ext cx="0" cy="0"/>
+          <a:chOff x="0" y="0"/>
+          <a:chExt cx="0" cy="0"/>
+        </a:xfrm>
+      </p:grpSpPr>
+      <p:sp>
+        <p:nvSpPr>
+          <p:cNvPr id="2" name="標題 1"/>
+          <p:cNvSpPr>
+            <a:spLocks noGrp="1"/>
+          </p:cNvSpPr>
+          <p:nvPr>
+            <p:ph type="title"/>
+          </p:nvPr>
+        </p:nvSpPr>
+        <p:spPr/>
+        <p:txBody>
+          <a:bodyPr/>
+          <a:lstStyle/>
+          <a:p>
+            <a:r>
+              <a:rPr lang="zh-TW" altLang="en-US" dirty="0"/>
+              <a:t>訊號擷取及分析處理</a:t>
+            </a:r>
+          </a:p>
+        </p:txBody>
+      </p:sp>
+      <p:sp>
+        <p:nvSpPr>
+          <p:cNvPr id="3" name="內容版面配置區 2"/>
+          <p:cNvSpPr>
+            <a:spLocks noGrp="1"/>
+          </p:cNvSpPr>
+          <p:nvPr>
+            <p:ph idx="1"/>
+          </p:nvPr>
+        </p:nvSpPr>
+        <p:spPr/>
+        <p:txBody>
+          <a:bodyPr/>
+          <a:lstStyle/>
+          <a:p>
+            <a:r>
+              <a:rPr lang="zh-TW" altLang="en-US" dirty="0"/>
+              <a:t>感測裝置</a:t>
+            </a:r>
+            <a:r>
+              <a:rPr lang="en-US" altLang="zh-TW" dirty="0"/>
+              <a:t>(sensor)</a:t>
+            </a:r>
+            <a:r>
+              <a:rPr lang="zh-TW" altLang="en-US" dirty="0"/>
+              <a:t> 量測物理或化學訊號，產生</a:t>
+            </a:r>
+            <a:r>
+              <a:rPr lang="zh-TW" altLang="en-US" b="1" dirty="0">
+                <a:solidFill>
+                  <a:srgbClr val="FF0000"/>
+                </a:solidFill>
+              </a:rPr>
+              <a:t>類比電壓</a:t>
+            </a:r>
+            <a:endParaRPr lang="en-US" altLang="zh-TW" b="1" dirty="0">
+              <a:solidFill>
+                <a:srgbClr val="FF0000"/>
+              </a:solidFill>
+            </a:endParaRPr>
+          </a:p>
+          <a:p>
+            <a:endParaRPr lang="en-US" altLang="zh-TW" dirty="0"/>
+          </a:p>
+          <a:p>
+            <a:r>
+              <a:rPr lang="zh-TW" altLang="en-US" dirty="0"/>
+              <a:t>電壓放大器放大訊號</a:t>
+            </a:r>
+            <a:endParaRPr lang="en-US" altLang="zh-TW" dirty="0"/>
+          </a:p>
+          <a:p>
+            <a:endParaRPr lang="en-US" altLang="zh-TW" dirty="0"/>
+          </a:p>
+          <a:p>
+            <a:r>
+              <a:rPr lang="zh-TW" altLang="en-US" dirty="0"/>
+              <a:t>類比轉數位訊號 </a:t>
+            </a:r>
+            <a:r>
+              <a:rPr lang="en-US" altLang="zh-TW" dirty="0"/>
+              <a:t>Analog-to-digital(AD)</a:t>
+            </a:r>
+          </a:p>
+          <a:p>
+            <a:r>
+              <a:rPr lang="zh-TW" altLang="en-US" dirty="0"/>
+              <a:t>樹</a:t>
+            </a:r>
+            <a:endParaRPr lang="en-US" altLang="zh-TW" dirty="0"/>
+          </a:p>
+          <a:p>
+            <a:pPr lvl="1"/>
+            <a:r>
+              <a:rPr lang="zh-TW" altLang="en-US" b="1" dirty="0">
+                <a:solidFill>
+                  <a:srgbClr val="FF0000"/>
+                </a:solidFill>
+              </a:rPr>
+              <a:t>解讀資料</a:t>
+            </a:r>
+            <a:r>
+              <a:rPr lang="zh-TW" altLang="en-US" dirty="0"/>
+              <a:t>、濾波、</a:t>
+            </a:r>
+            <a:r>
+              <a:rPr lang="zh-TW" altLang="en-US" b="1" dirty="0">
+                <a:solidFill>
+                  <a:srgbClr val="FF0000"/>
+                </a:solidFill>
+              </a:rPr>
+              <a:t>正規化</a:t>
+            </a:r>
+            <a:r>
+              <a:rPr lang="zh-TW" altLang="en-US" dirty="0"/>
+              <a:t>、分析、及</a:t>
+            </a:r>
+            <a:r>
+              <a:rPr lang="zh-TW" altLang="en-US" b="1" dirty="0">
+                <a:solidFill>
+                  <a:srgbClr val="FF0000"/>
+                </a:solidFill>
+              </a:rPr>
+              <a:t>呈現</a:t>
+            </a:r>
+          </a:p>
+        </p:txBody>
+      </p:sp>
+    </p:spTree>
+    <p:extLst>
+      <p:ext uri="{BB962C8B-B14F-4D97-AF65-F5344CB8AC3E}">
+        <p14:creationId xmlns:p14="http://schemas.microsoft.com/office/powerpoint/2010/main" val="3652644502"/>
+      </p:ext>
+    </p:extLst>
+  </p:cSld>
+  <p:clrMapOvr>
+    <a:masterClrMapping/>
+  </p:clrMapOvr>
+</p:sld>
+</file>
+
+<file path=ppt/slides/slide16.xml><?xml version="1.0" encoding="utf-8"?>
+<p:sld xmlns:a="http://schemas.openxmlformats.org/drawingml/2006/main" xmlns:r="http://schemas.openxmlformats.org/officeDocument/2006/relationships" xmlns:p="http://schemas.openxmlformats.org/presentationml/2006/main">
+  <p:cSld>
+    <p:spTree>
+      <p:nvGrpSpPr>
+        <p:cNvPr id="1" name=""/>
+        <p:cNvGrpSpPr/>
+        <p:nvPr/>
+      </p:nvGrpSpPr>
+      <p:grpSpPr>
+        <a:xfrm>
+          <a:off x="0" y="0"/>
+          <a:ext cx="0" cy="0"/>
+          <a:chOff x="0" y="0"/>
+          <a:chExt cx="0" cy="0"/>
+        </a:xfrm>
+      </p:grpSpPr>
+      <p:sp>
+        <p:nvSpPr>
+          <p:cNvPr id="2" name="標題 1"/>
+          <p:cNvSpPr>
+            <a:spLocks noGrp="1"/>
+          </p:cNvSpPr>
+          <p:nvPr>
+            <p:ph type="title"/>
+          </p:nvPr>
+        </p:nvSpPr>
+        <p:spPr/>
+        <p:txBody>
+          <a:bodyPr/>
+          <a:lstStyle/>
+          <a:p>
+            <a:r>
+              <a:rPr lang="zh-TW" altLang="en-US" dirty="0"/>
+              <a:t>資料處理常見程式功能</a:t>
+            </a:r>
+          </a:p>
+        </p:txBody>
+      </p:sp>
+      <p:sp>
+        <p:nvSpPr>
+          <p:cNvPr id="3" name="內容版面配置區 2"/>
+          <p:cNvSpPr>
+            <a:spLocks noGrp="1"/>
+          </p:cNvSpPr>
+          <p:nvPr>
+            <p:ph idx="1"/>
+          </p:nvPr>
+        </p:nvSpPr>
+        <p:spPr/>
+        <p:txBody>
+          <a:bodyPr/>
+          <a:lstStyle/>
+          <a:p>
+            <a:r>
+              <a:rPr lang="zh-TW" altLang="en-US" dirty="0"/>
+              <a:t>資料存取</a:t>
+            </a:r>
+            <a:endParaRPr lang="en-US" altLang="zh-TW" dirty="0"/>
+          </a:p>
+          <a:p>
+            <a:pPr lvl="1"/>
+            <a:r>
+              <a:rPr lang="zh-TW" altLang="en-US"/>
+              <a:t>從檔案存取</a:t>
+            </a:r>
+            <a:endParaRPr lang="en-US" altLang="zh-TW"/>
+          </a:p>
+          <a:p>
+            <a:pPr lvl="1"/>
+            <a:r>
+              <a:rPr lang="zh-TW" altLang="en-US"/>
+              <a:t>從伺服器存取</a:t>
+            </a:r>
+          </a:p>
+          <a:p>
+            <a:r>
+              <a:rPr lang="zh-TW" altLang="en-US"/>
+              <a:t>呈現</a:t>
+            </a:r>
+            <a:r>
+              <a:rPr lang="zh-TW" altLang="en-US" dirty="0"/>
+              <a:t>資料</a:t>
+            </a:r>
+            <a:endParaRPr lang="en-US" altLang="zh-TW" dirty="0"/>
+          </a:p>
+          <a:p>
+            <a:pPr lvl="1"/>
+            <a:r>
+              <a:rPr lang="zh-TW" altLang="en-US" dirty="0"/>
+              <a:t>洽當排版呈現文字及圖片</a:t>
+            </a:r>
+            <a:endParaRPr lang="en-US" altLang="zh-TW" dirty="0"/>
+          </a:p>
+          <a:p>
+            <a:pPr lvl="1"/>
+            <a:r>
+              <a:rPr lang="zh-TW" altLang="en-US" dirty="0"/>
+              <a:t>波形、影音播放</a:t>
+            </a:r>
+            <a:endParaRPr lang="en-US" altLang="zh-TW" dirty="0"/>
+          </a:p>
+          <a:p>
+            <a:pPr lvl="1"/>
+            <a:endParaRPr lang="en-US" altLang="zh-TW" dirty="0"/>
+          </a:p>
+          <a:p>
+            <a:pPr marL="0" indent="0">
+              <a:buNone/>
+            </a:pPr>
+            <a:r>
+              <a:rPr lang="zh-TW" altLang="en-US" dirty="0"/>
+              <a:t>一般電腦應用程式、手機程式、網頁程式皆為類似的處理模式</a:t>
+            </a:r>
+          </a:p>
+        </p:txBody>
+      </p:sp>
+    </p:spTree>
+    <p:extLst>
+      <p:ext uri="{BB962C8B-B14F-4D97-AF65-F5344CB8AC3E}">
+        <p14:creationId xmlns:p14="http://schemas.microsoft.com/office/powerpoint/2010/main" val="2020890214"/>
+      </p:ext>
+    </p:extLst>
+  </p:cSld>
+  <p:clrMapOvr>
+    <a:masterClrMapping/>
+  </p:clrMapOvr>
+</p:sld>
+</file>
+
+<file path=ppt/slides/slide17.xml><?xml version="1.0" encoding="utf-8"?>
+<p:sld xmlns:a="http://schemas.openxmlformats.org/drawingml/2006/main" xmlns:r="http://schemas.openxmlformats.org/officeDocument/2006/relationships" xmlns:p="http://schemas.openxmlformats.org/presentationml/2006/main">
+  <p:cSld>
+    <p:spTree>
+      <p:nvGrpSpPr>
+        <p:cNvPr id="1" name=""/>
+        <p:cNvGrpSpPr/>
+        <p:nvPr/>
+      </p:nvGrpSpPr>
+      <p:grpSpPr>
+        <a:xfrm>
+          <a:off x="0" y="0"/>
+          <a:ext cx="0" cy="0"/>
+          <a:chOff x="0" y="0"/>
+          <a:chExt cx="0" cy="0"/>
+        </a:xfrm>
+      </p:grpSpPr>
+      <p:sp>
+        <p:nvSpPr>
+          <p:cNvPr id="2" name="標題 1"/>
+          <p:cNvSpPr>
+            <a:spLocks noGrp="1"/>
+          </p:cNvSpPr>
+          <p:nvPr>
+            <p:ph type="title"/>
+          </p:nvPr>
+        </p:nvSpPr>
+        <p:spPr/>
+        <p:txBody>
+          <a:bodyPr/>
+          <a:lstStyle/>
+          <a:p>
+            <a:r>
+              <a:rPr lang="zh-TW" altLang="en-US" dirty="0"/>
+              <a:t>網頁前端使用介面功能</a:t>
+            </a:r>
+          </a:p>
+        </p:txBody>
+      </p:sp>
+      <p:sp>
+        <p:nvSpPr>
+          <p:cNvPr id="3" name="內容版面配置區 2"/>
+          <p:cNvSpPr>
+            <a:spLocks noGrp="1"/>
+          </p:cNvSpPr>
+          <p:nvPr>
+            <p:ph idx="1"/>
+          </p:nvPr>
+        </p:nvSpPr>
+        <p:spPr/>
+        <p:txBody>
+          <a:bodyPr/>
+          <a:lstStyle/>
+          <a:p>
+            <a:r>
+              <a:rPr lang="zh-TW" altLang="en-US" dirty="0"/>
+              <a:t>資料存取</a:t>
+            </a:r>
+          </a:p>
+          <a:p>
+            <a:pPr lvl="1"/>
+            <a:r>
+              <a:rPr lang="zh-TW" altLang="en-US" dirty="0"/>
+              <a:t>由 </a:t>
+            </a:r>
+            <a:r>
+              <a:rPr lang="en-US" altLang="zh-TW" dirty="0"/>
+              <a:t>web </a:t>
+            </a:r>
+            <a:r>
+              <a:rPr lang="zh-TW" altLang="en-US" dirty="0"/>
+              <a:t>伺服器端上傳下載</a:t>
+            </a:r>
+            <a:endParaRPr lang="en-US" altLang="zh-TW" dirty="0"/>
+          </a:p>
+          <a:p>
+            <a:r>
+              <a:rPr lang="zh-TW" altLang="en-US" dirty="0"/>
+              <a:t>由網頁介面輸入</a:t>
+            </a:r>
+            <a:endParaRPr lang="en-US" altLang="zh-TW" dirty="0"/>
+          </a:p>
+          <a:p>
+            <a:pPr lvl="1"/>
+            <a:r>
+              <a:rPr lang="zh-TW" altLang="en-US" b="1" dirty="0">
+                <a:solidFill>
+                  <a:srgbClr val="FF0000"/>
+                </a:solidFill>
+              </a:rPr>
+              <a:t>網頁表單介面</a:t>
+            </a:r>
+            <a:endParaRPr lang="en-US" altLang="zh-TW" b="1" dirty="0">
+              <a:solidFill>
+                <a:srgbClr val="FF0000"/>
+              </a:solidFill>
+            </a:endParaRPr>
+          </a:p>
+          <a:p>
+            <a:r>
+              <a:rPr lang="zh-TW" altLang="en-US" dirty="0"/>
+              <a:t>呈現資料</a:t>
+            </a:r>
+          </a:p>
+          <a:p>
+            <a:pPr lvl="1"/>
+            <a:r>
+              <a:rPr lang="zh-TW" altLang="en-US" b="1" dirty="0">
+                <a:solidFill>
+                  <a:srgbClr val="FF0000"/>
+                </a:solidFill>
+              </a:rPr>
+              <a:t>網頁排版呈現文字及圖片</a:t>
+            </a:r>
+            <a:endParaRPr lang="en-US" altLang="zh-TW" b="1" dirty="0">
+              <a:solidFill>
+                <a:srgbClr val="FF0000"/>
+              </a:solidFill>
+            </a:endParaRPr>
+          </a:p>
+          <a:p>
+            <a:pPr lvl="1"/>
+            <a:r>
+              <a:rPr lang="zh-TW" altLang="en-US" b="1" dirty="0">
+                <a:solidFill>
+                  <a:schemeClr val="tx1">
+                    <a:lumMod val="50000"/>
+                    <a:lumOff val="50000"/>
+                  </a:schemeClr>
+                </a:solidFill>
+              </a:rPr>
+              <a:t>網頁繪圖</a:t>
+            </a:r>
+            <a:r>
+              <a:rPr lang="en-US" altLang="zh-TW" b="1" dirty="0">
+                <a:solidFill>
+                  <a:schemeClr val="tx1">
+                    <a:lumMod val="50000"/>
+                    <a:lumOff val="50000"/>
+                  </a:schemeClr>
+                </a:solidFill>
+              </a:rPr>
+              <a:t>:</a:t>
+            </a:r>
+            <a:r>
+              <a:rPr lang="zh-TW" altLang="en-US" b="1" dirty="0">
+                <a:solidFill>
+                  <a:schemeClr val="tx1">
+                    <a:lumMod val="50000"/>
+                    <a:lumOff val="50000"/>
+                  </a:schemeClr>
+                </a:solidFill>
+              </a:rPr>
+              <a:t> 如醫學影像、生醫訊號、動畫</a:t>
+            </a:r>
+            <a:endParaRPr lang="en-US" altLang="zh-TW" b="1" dirty="0">
+              <a:solidFill>
+                <a:schemeClr val="tx1">
+                  <a:lumMod val="50000"/>
+                  <a:lumOff val="50000"/>
+                </a:schemeClr>
+              </a:solidFill>
+            </a:endParaRPr>
+          </a:p>
+          <a:p>
+            <a:pPr lvl="1"/>
+            <a:r>
+              <a:rPr lang="zh-TW" altLang="en-US" b="1" dirty="0">
+                <a:solidFill>
+                  <a:schemeClr val="tx1">
+                    <a:lumMod val="50000"/>
+                    <a:lumOff val="50000"/>
+                  </a:schemeClr>
+                </a:solidFill>
+              </a:rPr>
+              <a:t>影音播放</a:t>
+            </a:r>
+            <a:endParaRPr lang="en-US" altLang="zh-TW" b="1" dirty="0">
+              <a:solidFill>
+                <a:schemeClr val="tx1">
+                  <a:lumMod val="50000"/>
+                  <a:lumOff val="50000"/>
+                </a:schemeClr>
+              </a:solidFill>
+            </a:endParaRPr>
+          </a:p>
+        </p:txBody>
+      </p:sp>
+    </p:spTree>
+    <p:extLst>
+      <p:ext uri="{BB962C8B-B14F-4D97-AF65-F5344CB8AC3E}">
+        <p14:creationId xmlns:p14="http://schemas.microsoft.com/office/powerpoint/2010/main" val="914284664"/>
+      </p:ext>
+    </p:extLst>
+  </p:cSld>
+  <p:clrMapOvr>
+    <a:masterClrMapping/>
+  </p:clrMapOvr>
+</p:sld>
+</file>
+
+<file path=ppt/slides/slide18.xml><?xml version="1.0" encoding="utf-8"?>
+<p:sld xmlns:a="http://schemas.openxmlformats.org/drawingml/2006/main" xmlns:r="http://schemas.openxmlformats.org/officeDocument/2006/relationships" xmlns:p="http://schemas.openxmlformats.org/presentationml/2006/main">
+  <p:cSld>
+    <p:spTree>
+      <p:nvGrpSpPr>
+        <p:cNvPr id="1" name=""/>
+        <p:cNvGrpSpPr/>
+        <p:nvPr/>
+      </p:nvGrpSpPr>
+      <p:grpSpPr>
+        <a:xfrm>
+          <a:off x="0" y="0"/>
+          <a:ext cx="0" cy="0"/>
+          <a:chOff x="0" y="0"/>
+          <a:chExt cx="0" cy="0"/>
+        </a:xfrm>
+      </p:grpSpPr>
+      <p:sp>
+        <p:nvSpPr>
+          <p:cNvPr id="2" name="標題 1"/>
+          <p:cNvSpPr>
+            <a:spLocks noGrp="1"/>
+          </p:cNvSpPr>
+          <p:nvPr>
+            <p:ph type="title"/>
+          </p:nvPr>
+        </p:nvSpPr>
+        <p:spPr/>
+        <p:txBody>
+          <a:bodyPr/>
+          <a:lstStyle/>
+          <a:p>
+            <a:r>
+              <a:rPr lang="zh-TW" altLang="en-US"/>
+              <a:t>醫護表單</a:t>
+            </a:r>
+            <a:r>
+              <a:rPr lang="zh-TW" altLang="en-US" dirty="0"/>
+              <a:t>範例</a:t>
+            </a:r>
+          </a:p>
+        </p:txBody>
+      </p:sp>
+      <p:sp>
+        <p:nvSpPr>
+          <p:cNvPr id="3" name="內容版面配置區 2"/>
+          <p:cNvSpPr>
+            <a:spLocks noGrp="1"/>
+          </p:cNvSpPr>
+          <p:nvPr>
+            <p:ph idx="1"/>
+          </p:nvPr>
+        </p:nvSpPr>
+        <p:spPr/>
+        <p:txBody>
+          <a:bodyPr/>
+          <a:lstStyle/>
+          <a:p>
+            <a:r>
+              <a:rPr lang="en-US" altLang="zh-TW" dirty="0"/>
+              <a:t>https://</a:t>
+            </a:r>
+            <a:r>
+              <a:rPr lang="en-US" altLang="zh-TW" dirty="0" err="1"/>
+              <a:t>mos2718.github.io</a:t>
+            </a:r>
+            <a:r>
+              <a:rPr lang="en-US" altLang="zh-TW" dirty="0"/>
+              <a:t>/</a:t>
+            </a:r>
+            <a:r>
+              <a:rPr lang="en-US" altLang="zh-TW" dirty="0" err="1"/>
+              <a:t>W1</a:t>
+            </a:r>
+            <a:r>
+              <a:rPr lang="en-US" altLang="zh-TW" dirty="0"/>
+              <a:t>/</a:t>
+            </a:r>
+            <a:r>
+              <a:rPr lang="en-US" altLang="zh-TW" dirty="0" err="1"/>
+              <a:t>P2ret.html</a:t>
+            </a:r>
+            <a:endParaRPr lang="en-US" altLang="zh-TW" dirty="0"/>
+          </a:p>
+        </p:txBody>
+      </p:sp>
+    </p:spTree>
+    <p:extLst>
+      <p:ext uri="{BB962C8B-B14F-4D97-AF65-F5344CB8AC3E}">
+        <p14:creationId xmlns:p14="http://schemas.microsoft.com/office/powerpoint/2010/main" val="601928608"/>
+      </p:ext>
+    </p:extLst>
+  </p:cSld>
+  <p:clrMapOvr>
+    <a:masterClrMapping/>
+  </p:clrMapOvr>
+</p:sld>
+</file>
+
+<file path=ppt/slides/slide19.xml><?xml version="1.0" encoding="utf-8"?>
+<p:sld xmlns:a="http://schemas.openxmlformats.org/drawingml/2006/main" xmlns:r="http://schemas.openxmlformats.org/officeDocument/2006/relationships" xmlns:p="http://schemas.openxmlformats.org/presentationml/2006/main">
+  <p:cSld>
+    <p:spTree>
+      <p:nvGrpSpPr>
+        <p:cNvPr id="1" name=""/>
+        <p:cNvGrpSpPr/>
+        <p:nvPr/>
+      </p:nvGrpSpPr>
+      <p:grpSpPr>
+        <a:xfrm>
+          <a:off x="0" y="0"/>
+          <a:ext cx="0" cy="0"/>
+          <a:chOff x="0" y="0"/>
+          <a:chExt cx="0" cy="0"/>
+        </a:xfrm>
+      </p:grpSpPr>
+      <p:sp>
+        <p:nvSpPr>
+          <p:cNvPr id="2" name="標題 1"/>
+          <p:cNvSpPr>
+            <a:spLocks noGrp="1"/>
+          </p:cNvSpPr>
+          <p:nvPr>
+            <p:ph type="title"/>
+          </p:nvPr>
+        </p:nvSpPr>
+        <p:spPr>
+          <a:xfrm>
+            <a:off x="467544" y="116632"/>
+            <a:ext cx="8229600" cy="1143000"/>
+          </a:xfrm>
+        </p:spPr>
+        <p:txBody>
+          <a:bodyPr/>
+          <a:lstStyle/>
+          <a:p>
+            <a:r>
+              <a:rPr lang="zh-TW" altLang="en-US" dirty="0"/>
+              <a:t>網頁排版呈現文字及圖片</a:t>
+            </a:r>
+          </a:p>
+        </p:txBody>
+      </p:sp>
+      <p:sp>
+        <p:nvSpPr>
+          <p:cNvPr id="3" name="內容版面配置區 2"/>
+          <p:cNvSpPr>
+            <a:spLocks noGrp="1"/>
+          </p:cNvSpPr>
+          <p:nvPr>
+            <p:ph idx="1"/>
+          </p:nvPr>
+        </p:nvSpPr>
+        <p:spPr>
+          <a:xfrm>
+            <a:off x="457200" y="1700808"/>
+            <a:ext cx="8229600" cy="4425355"/>
+          </a:xfrm>
+        </p:spPr>
+        <p:txBody>
+          <a:bodyPr/>
+          <a:lstStyle/>
+          <a:p>
+            <a:r>
+              <a:rPr lang="zh-TW" altLang="en-US" dirty="0"/>
+              <a:t>範例來源</a:t>
+            </a:r>
+            <a:r>
+              <a:rPr lang="en-US" altLang="zh-TW" dirty="0"/>
+              <a:t>:</a:t>
+            </a:r>
+            <a:r>
+              <a:rPr lang="zh-TW" altLang="en-US" dirty="0"/>
+              <a:t>慈大醫資網一期末報告</a:t>
+            </a:r>
+            <a:endParaRPr lang="en-US" altLang="zh-TW" dirty="0"/>
+          </a:p>
+          <a:p>
+            <a:r>
+              <a:rPr lang="zh-TW" altLang="en-US" dirty="0"/>
+              <a:t>閩南語不專業教學</a:t>
+            </a:r>
+            <a:endParaRPr lang="en-US" altLang="zh-TW" dirty="0"/>
+          </a:p>
+          <a:p>
+            <a:pPr lvl="1"/>
+            <a:r>
+              <a:rPr lang="en-US" altLang="zh-TW" dirty="0"/>
+              <a:t>http://203.64.84.113/</a:t>
+            </a:r>
+            <a:r>
+              <a:rPr lang="en-US" altLang="zh-TW" dirty="0" err="1"/>
+              <a:t>STUpload</a:t>
+            </a:r>
+            <a:r>
+              <a:rPr lang="en-US" altLang="zh-TW" dirty="0"/>
+              <a:t>/</a:t>
+            </a:r>
+            <a:r>
+              <a:rPr lang="en-US" altLang="zh-TW" dirty="0" err="1"/>
+              <a:t>StFiles</a:t>
+            </a:r>
+            <a:r>
+              <a:rPr lang="en-US" altLang="zh-TW" dirty="0"/>
+              <a:t>/104316104/20190615-0039/6-104316104/</a:t>
+            </a:r>
+            <a:r>
+              <a:rPr lang="en-US" altLang="zh-TW" dirty="0" err="1"/>
+              <a:t>index.html</a:t>
+            </a:r>
+            <a:endParaRPr lang="en-US" altLang="zh-TW" dirty="0"/>
+          </a:p>
+          <a:p>
+            <a:r>
+              <a:rPr lang="zh-TW" altLang="en-US" dirty="0"/>
+              <a:t>物理教學網站</a:t>
+            </a:r>
+            <a:endParaRPr lang="en-US" altLang="zh-TW" dirty="0"/>
+          </a:p>
+          <a:p>
+            <a:pPr lvl="1"/>
+            <a:r>
+              <a:rPr lang="en-US" altLang="zh-TW" dirty="0"/>
+              <a:t>http://203.64.84.113/</a:t>
+            </a:r>
+            <a:r>
+              <a:rPr lang="en-US" altLang="zh-TW" dirty="0" err="1"/>
+              <a:t>STUpload</a:t>
+            </a:r>
+            <a:r>
+              <a:rPr lang="en-US" altLang="zh-TW" dirty="0"/>
+              <a:t>/</a:t>
+            </a:r>
+            <a:r>
+              <a:rPr lang="en-US" altLang="zh-TW" dirty="0" err="1"/>
+              <a:t>StFiles</a:t>
+            </a:r>
+            <a:r>
+              <a:rPr lang="en-US" altLang="zh-TW" dirty="0"/>
+              <a:t>/</a:t>
+            </a:r>
+            <a:r>
+              <a:rPr lang="en-US" altLang="zh-TW" dirty="0" err="1"/>
+              <a:t>chhsiao</a:t>
+            </a:r>
+            <a:r>
+              <a:rPr lang="en-US" altLang="zh-TW" dirty="0"/>
+              <a:t>/20190615-0540/</a:t>
+            </a:r>
+            <a:r>
+              <a:rPr lang="en-US" altLang="zh-TW" dirty="0" err="1"/>
+              <a:t>104316224%E7%B6%B2%E4%B8%80%E6%9C%9F%E6%9C%AB%E5%B0%88%E6%A1%88</a:t>
+            </a:r>
+            <a:r>
+              <a:rPr lang="en-US" altLang="zh-TW" dirty="0"/>
+              <a:t>/</a:t>
+            </a:r>
+            <a:r>
+              <a:rPr lang="en-US" altLang="zh-TW" dirty="0" err="1"/>
+              <a:t>index.html</a:t>
+            </a:r>
+            <a:endParaRPr lang="zh-TW" altLang="en-US" dirty="0"/>
+          </a:p>
+        </p:txBody>
+      </p:sp>
+    </p:spTree>
+    <p:extLst>
+      <p:ext uri="{BB962C8B-B14F-4D97-AF65-F5344CB8AC3E}">
+        <p14:creationId xmlns:p14="http://schemas.microsoft.com/office/powerpoint/2010/main" val="1877315182"/>
+      </p:ext>
+    </p:extLst>
+  </p:cSld>
+  <p:clrMapOvr>
+    <a:masterClrMapping/>
+  </p:clrMapOvr>
 </p:sld>
 </file>
 
@@ -3551,7 +5063,13 @@
       </p:grpSpPr>
       <p:sp>
         <p:nvSpPr>
-          <p:cNvPr id="2" name="標題 1"/>
+          <p:cNvPr id="2" name="標題 1">
+            <a:extLst>
+              <a:ext uri="{FF2B5EF4-FFF2-40B4-BE49-F238E27FC236}">
+                <a16:creationId xmlns:a16="http://schemas.microsoft.com/office/drawing/2014/main" id="{A59EAC06-7816-481E-81A4-519D80C8B7C2}"/>
+              </a:ext>
+            </a:extLst>
+          </p:cNvPr>
           <p:cNvSpPr>
             <a:spLocks noGrp="1"/>
           </p:cNvSpPr>
@@ -3565,16 +5083,21 @@
           <a:lstStyle/>
           <a:p>
             <a:r>
-              <a:rPr lang="zh-TW" altLang="en-US" dirty="0" smtClean="0"/>
-              <a:t>資料處理常見程式功能</a:t>
-            </a:r>
-            <a:endParaRPr lang="zh-TW" altLang="en-US" dirty="0"/>
-          </a:p>
-        </p:txBody>
-      </p:sp>
-      <p:sp>
-        <p:nvSpPr>
-          <p:cNvPr id="3" name="內容版面配置區 2"/>
+              <a:rPr lang="zh-TW" altLang="en-US" dirty="0"/>
+              <a:t>資料處理需求</a:t>
+            </a:r>
+          </a:p>
+        </p:txBody>
+      </p:sp>
+      <p:sp>
+        <p:nvSpPr>
+          <p:cNvPr id="3" name="內容版面配置區 2">
+            <a:extLst>
+              <a:ext uri="{FF2B5EF4-FFF2-40B4-BE49-F238E27FC236}">
+                <a16:creationId xmlns:a16="http://schemas.microsoft.com/office/drawing/2014/main" id="{417664EB-2258-4AE9-8B62-7326414F60C3}"/>
+              </a:ext>
+            </a:extLst>
+          </p:cNvPr>
           <p:cNvSpPr>
             <a:spLocks noGrp="1"/>
           </p:cNvSpPr>
@@ -3588,77 +5111,62 @@
           <a:lstStyle/>
           <a:p>
             <a:r>
-              <a:rPr lang="zh-TW" altLang="en-US" dirty="0" smtClean="0"/>
-              <a:t>資料存取</a:t>
-            </a:r>
-            <a:endParaRPr lang="en-US" altLang="zh-TW" dirty="0" smtClean="0"/>
+              <a:rPr lang="zh-TW" altLang="en-US" dirty="0"/>
+              <a:t>自動化</a:t>
+            </a:r>
+            <a:endParaRPr lang="en-US" altLang="zh-TW" dirty="0"/>
           </a:p>
           <a:p>
             <a:pPr lvl="1"/>
             <a:r>
-              <a:rPr lang="zh-TW" altLang="en-US"/>
-              <a:t>從</a:t>
-            </a:r>
-            <a:r>
-              <a:rPr lang="zh-TW" altLang="en-US" smtClean="0"/>
-              <a:t>檔案存取</a:t>
-            </a:r>
-            <a:endParaRPr lang="en-US" altLang="zh-TW" smtClean="0"/>
+              <a:rPr lang="zh-TW" altLang="en-US" dirty="0"/>
+              <a:t>減輕人力負擔</a:t>
+            </a:r>
+            <a:endParaRPr lang="en-US" altLang="zh-TW" dirty="0"/>
           </a:p>
           <a:p>
             <a:pPr lvl="1"/>
             <a:r>
-              <a:rPr lang="zh-TW" altLang="en-US" smtClean="0"/>
-              <a:t>從伺服器</a:t>
-            </a:r>
-            <a:r>
-              <a:rPr lang="zh-TW" altLang="en-US"/>
-              <a:t>存取</a:t>
-            </a:r>
-          </a:p>
-          <a:p>
-            <a:r>
-              <a:rPr lang="zh-TW" altLang="en-US" smtClean="0"/>
-              <a:t>呈現</a:t>
-            </a:r>
-            <a:r>
-              <a:rPr lang="zh-TW" altLang="en-US" dirty="0" smtClean="0"/>
-              <a:t>資料</a:t>
-            </a:r>
-            <a:endParaRPr lang="en-US" altLang="zh-TW" dirty="0" smtClean="0"/>
+              <a:rPr lang="zh-TW" altLang="en-US" dirty="0"/>
+              <a:t>可處理大量資料</a:t>
+            </a:r>
+            <a:endParaRPr lang="en-US" altLang="zh-TW" dirty="0"/>
+          </a:p>
+          <a:p>
+            <a:endParaRPr lang="en-US" altLang="zh-TW" dirty="0"/>
+          </a:p>
+          <a:p>
+            <a:r>
+              <a:rPr lang="zh-TW" altLang="en-US" dirty="0"/>
+              <a:t>恰當呈現</a:t>
+            </a:r>
+            <a:endParaRPr lang="en-US" altLang="zh-TW" dirty="0"/>
           </a:p>
           <a:p>
             <a:pPr lvl="1"/>
             <a:r>
               <a:rPr lang="zh-TW" altLang="en-US" dirty="0"/>
-              <a:t>洽當排版</a:t>
-            </a:r>
-            <a:r>
-              <a:rPr lang="zh-TW" altLang="en-US" dirty="0" smtClean="0"/>
-              <a:t>呈現文字及圖片</a:t>
-            </a:r>
-            <a:endParaRPr lang="en-US" altLang="zh-TW" dirty="0" smtClean="0"/>
-          </a:p>
-          <a:p>
-            <a:pPr lvl="1"/>
-            <a:r>
-              <a:rPr lang="zh-TW" altLang="en-US" dirty="0" smtClean="0"/>
-              <a:t>波形、影音播放</a:t>
-            </a:r>
-            <a:endParaRPr lang="en-US" altLang="zh-TW" dirty="0" smtClean="0"/>
-          </a:p>
-          <a:p>
-            <a:pPr lvl="1"/>
-            <a:endParaRPr lang="en-US" altLang="zh-TW" dirty="0" smtClean="0"/>
-          </a:p>
-          <a:p>
-            <a:pPr marL="0" indent="0">
-              <a:buNone/>
-            </a:pPr>
-            <a:r>
-              <a:rPr lang="zh-TW" altLang="en-US" dirty="0" smtClean="0"/>
-              <a:t>一般電腦應用程式、手機程式、網頁程式皆為類似的處理模式</a:t>
-            </a:r>
+              <a:t>如圖表呈現</a:t>
+            </a:r>
+            <a:endParaRPr lang="en-US" altLang="zh-TW" dirty="0"/>
+          </a:p>
+          <a:p>
+            <a:endParaRPr lang="en-US" altLang="zh-TW" dirty="0"/>
+          </a:p>
+          <a:p>
+            <a:r>
+              <a:rPr lang="zh-TW" altLang="en-US" dirty="0"/>
+              <a:t>傳輸及整合應用</a:t>
+            </a:r>
+            <a:endParaRPr lang="en-US" altLang="zh-TW" dirty="0"/>
+          </a:p>
+          <a:p>
+            <a:endParaRPr lang="en-US" altLang="zh-TW" dirty="0"/>
+          </a:p>
+          <a:p>
+            <a:endParaRPr lang="en-US" altLang="zh-TW" dirty="0"/>
+          </a:p>
+          <a:p>
             <a:endParaRPr lang="zh-TW" altLang="en-US" dirty="0"/>
           </a:p>
         </p:txBody>
@@ -3666,20 +5174,261 @@
     </p:spTree>
     <p:extLst>
       <p:ext uri="{BB962C8B-B14F-4D97-AF65-F5344CB8AC3E}">
-        <p14:creationId xmlns:p14="http://schemas.microsoft.com/office/powerpoint/2010/main" val="2020890214"/>
+        <p14:creationId xmlns:p14="http://schemas.microsoft.com/office/powerpoint/2010/main" val="2739788001"/>
       </p:ext>
     </p:extLst>
   </p:cSld>
   <p:clrMapOvr>
     <a:masterClrMapping/>
   </p:clrMapOvr>
-  <p:timing>
-    <p:tnLst>
-      <p:par>
-        <p:cTn id="1" dur="indefinite" restart="never" nodeType="tmRoot"/>
-      </p:par>
-    </p:tnLst>
-  </p:timing>
+</p:sld>
+</file>
+
+<file path=ppt/slides/slide20.xml><?xml version="1.0" encoding="utf-8"?>
+<p:sld xmlns:a="http://schemas.openxmlformats.org/drawingml/2006/main" xmlns:r="http://schemas.openxmlformats.org/officeDocument/2006/relationships" xmlns:p="http://schemas.openxmlformats.org/presentationml/2006/main">
+  <p:cSld>
+    <p:spTree>
+      <p:nvGrpSpPr>
+        <p:cNvPr id="1" name=""/>
+        <p:cNvGrpSpPr/>
+        <p:nvPr/>
+      </p:nvGrpSpPr>
+      <p:grpSpPr>
+        <a:xfrm>
+          <a:off x="0" y="0"/>
+          <a:ext cx="0" cy="0"/>
+          <a:chOff x="0" y="0"/>
+          <a:chExt cx="0" cy="0"/>
+        </a:xfrm>
+      </p:grpSpPr>
+      <p:sp>
+        <p:nvSpPr>
+          <p:cNvPr id="2" name="標題 1"/>
+          <p:cNvSpPr>
+            <a:spLocks noGrp="1"/>
+          </p:cNvSpPr>
+          <p:nvPr>
+            <p:ph type="title"/>
+          </p:nvPr>
+        </p:nvSpPr>
+        <p:spPr>
+          <a:xfrm>
+            <a:off x="467544" y="116632"/>
+            <a:ext cx="8229600" cy="1143000"/>
+          </a:xfrm>
+        </p:spPr>
+        <p:txBody>
+          <a:bodyPr/>
+          <a:lstStyle/>
+          <a:p>
+            <a:r>
+              <a:rPr lang="zh-TW" altLang="en-US" dirty="0"/>
+              <a:t>網頁排版呈現文字及圖片</a:t>
+            </a:r>
+          </a:p>
+        </p:txBody>
+      </p:sp>
+      <p:sp>
+        <p:nvSpPr>
+          <p:cNvPr id="3" name="內容版面配置區 2"/>
+          <p:cNvSpPr>
+            <a:spLocks noGrp="1"/>
+          </p:cNvSpPr>
+          <p:nvPr>
+            <p:ph idx="1"/>
+          </p:nvPr>
+        </p:nvSpPr>
+        <p:spPr>
+          <a:xfrm>
+            <a:off x="457200" y="1268760"/>
+            <a:ext cx="8229600" cy="4857403"/>
+          </a:xfrm>
+        </p:spPr>
+        <p:txBody>
+          <a:bodyPr/>
+          <a:lstStyle/>
+          <a:p>
+            <a:r>
+              <a:rPr lang="zh-TW" altLang="en-US" dirty="0"/>
+              <a:t>咖啡店</a:t>
+            </a:r>
+            <a:endParaRPr lang="en-US" altLang="zh-TW" dirty="0"/>
+          </a:p>
+          <a:p>
+            <a:pPr lvl="1"/>
+            <a:r>
+              <a:rPr lang="en-US" altLang="zh-TW" dirty="0"/>
+              <a:t>http://203.64.84.113/</a:t>
+            </a:r>
+            <a:r>
+              <a:rPr lang="en-US" altLang="zh-TW" dirty="0" err="1"/>
+              <a:t>STUpload</a:t>
+            </a:r>
+            <a:r>
+              <a:rPr lang="en-US" altLang="zh-TW" dirty="0"/>
+              <a:t>/</a:t>
+            </a:r>
+            <a:r>
+              <a:rPr lang="en-US" altLang="zh-TW" dirty="0" err="1"/>
+              <a:t>StFiles</a:t>
+            </a:r>
+            <a:r>
+              <a:rPr lang="en-US" altLang="zh-TW" dirty="0"/>
+              <a:t>/107316127/20190613-1155/%</a:t>
+            </a:r>
+            <a:r>
+              <a:rPr lang="en-US" altLang="zh-TW" dirty="0" err="1"/>
+              <a:t>E9%A6%96%E9%A0%81.html</a:t>
+            </a:r>
+            <a:endParaRPr lang="en-US" altLang="zh-TW" dirty="0"/>
+          </a:p>
+          <a:p>
+            <a:r>
+              <a:rPr lang="zh-TW" altLang="en-US" dirty="0"/>
+              <a:t>線上二手書交易</a:t>
+            </a:r>
+            <a:endParaRPr lang="en-US" altLang="zh-TW" dirty="0"/>
+          </a:p>
+          <a:p>
+            <a:pPr lvl="1"/>
+            <a:r>
+              <a:rPr lang="en-US" altLang="zh-TW" dirty="0"/>
+              <a:t>http://203.64.84.113/</a:t>
+            </a:r>
+            <a:r>
+              <a:rPr lang="en-US" altLang="zh-TW" dirty="0" err="1"/>
+              <a:t>STUpload</a:t>
+            </a:r>
+            <a:r>
+              <a:rPr lang="en-US" altLang="zh-TW" dirty="0"/>
+              <a:t>/</a:t>
+            </a:r>
+            <a:r>
+              <a:rPr lang="en-US" altLang="zh-TW" dirty="0" err="1"/>
+              <a:t>StFiles</a:t>
+            </a:r>
+            <a:r>
+              <a:rPr lang="en-US" altLang="zh-TW" dirty="0"/>
+              <a:t>/107316136/20190613-0321/107316136-</a:t>
+            </a:r>
+            <a:r>
+              <a:rPr lang="en-US" altLang="zh-TW" dirty="0" err="1"/>
+              <a:t>1.html</a:t>
+            </a:r>
+            <a:endParaRPr lang="zh-TW" altLang="en-US" dirty="0"/>
+          </a:p>
+        </p:txBody>
+      </p:sp>
+    </p:spTree>
+    <p:extLst>
+      <p:ext uri="{BB962C8B-B14F-4D97-AF65-F5344CB8AC3E}">
+        <p14:creationId xmlns:p14="http://schemas.microsoft.com/office/powerpoint/2010/main" val="2466708028"/>
+      </p:ext>
+    </p:extLst>
+  </p:cSld>
+  <p:clrMapOvr>
+    <a:masterClrMapping/>
+  </p:clrMapOvr>
+</p:sld>
+</file>
+
+<file path=ppt/slides/slide21.xml><?xml version="1.0" encoding="utf-8"?>
+<p:sld xmlns:a="http://schemas.openxmlformats.org/drawingml/2006/main" xmlns:r="http://schemas.openxmlformats.org/officeDocument/2006/relationships" xmlns:p="http://schemas.openxmlformats.org/presentationml/2006/main">
+  <p:cSld>
+    <p:spTree>
+      <p:nvGrpSpPr>
+        <p:cNvPr id="1" name=""/>
+        <p:cNvGrpSpPr/>
+        <p:nvPr/>
+      </p:nvGrpSpPr>
+      <p:grpSpPr>
+        <a:xfrm>
+          <a:off x="0" y="0"/>
+          <a:ext cx="0" cy="0"/>
+          <a:chOff x="0" y="0"/>
+          <a:chExt cx="0" cy="0"/>
+        </a:xfrm>
+      </p:grpSpPr>
+      <p:sp>
+        <p:nvSpPr>
+          <p:cNvPr id="2" name="標題 1"/>
+          <p:cNvSpPr>
+            <a:spLocks noGrp="1"/>
+          </p:cNvSpPr>
+          <p:nvPr>
+            <p:ph type="title"/>
+          </p:nvPr>
+        </p:nvSpPr>
+        <p:spPr/>
+        <p:txBody>
+          <a:bodyPr/>
+          <a:lstStyle/>
+          <a:p>
+            <a:r>
+              <a:rPr lang="zh-TW" altLang="en-US" dirty="0"/>
+              <a:t>常見的網頁排版模式</a:t>
+            </a:r>
+          </a:p>
+        </p:txBody>
+      </p:sp>
+      <p:sp>
+        <p:nvSpPr>
+          <p:cNvPr id="3" name="內容版面配置區 2"/>
+          <p:cNvSpPr>
+            <a:spLocks noGrp="1"/>
+          </p:cNvSpPr>
+          <p:nvPr>
+            <p:ph idx="1"/>
+          </p:nvPr>
+        </p:nvSpPr>
+        <p:spPr/>
+        <p:txBody>
+          <a:bodyPr/>
+          <a:lstStyle/>
+          <a:p>
+            <a:r>
+              <a:rPr lang="zh-TW" altLang="en-US" dirty="0"/>
+              <a:t>列表呈現</a:t>
+            </a:r>
+            <a:endParaRPr lang="en-US" altLang="zh-TW" dirty="0"/>
+          </a:p>
+          <a:p>
+            <a:pPr lvl="1"/>
+            <a:r>
+              <a:rPr lang="zh-TW" altLang="en-US" dirty="0"/>
+              <a:t>表格呈現多筆資料</a:t>
+            </a:r>
+            <a:endParaRPr lang="en-US" altLang="zh-TW" dirty="0"/>
+          </a:p>
+          <a:p>
+            <a:endParaRPr lang="en-US" altLang="zh-TW" dirty="0"/>
+          </a:p>
+          <a:p>
+            <a:r>
+              <a:rPr lang="zh-TW" altLang="en-US" dirty="0"/>
+              <a:t>排版呈現單筆資料</a:t>
+            </a:r>
+            <a:endParaRPr lang="en-US" altLang="zh-TW" dirty="0"/>
+          </a:p>
+          <a:p>
+            <a:pPr lvl="1"/>
+            <a:r>
+              <a:rPr lang="zh-TW" altLang="en-US" dirty="0"/>
+              <a:t>如呈現病人、商品、某筆訂單、教材單元等</a:t>
+            </a:r>
+          </a:p>
+        </p:txBody>
+      </p:sp>
+    </p:spTree>
+    <p:extLst>
+      <p:ext uri="{BB962C8B-B14F-4D97-AF65-F5344CB8AC3E}">
+        <p14:creationId xmlns:p14="http://schemas.microsoft.com/office/powerpoint/2010/main" val="1892697188"/>
+      </p:ext>
+    </p:extLst>
+  </p:cSld>
+  <p:clrMapOvr>
+    <a:masterClrMapping/>
+  </p:clrMapOvr>
 </p:sld>
 </file>
 
@@ -3710,16 +5459,21 @@
             <p:ph type="title"/>
           </p:nvPr>
         </p:nvSpPr>
-        <p:spPr/>
-        <p:txBody>
-          <a:bodyPr/>
-          <a:lstStyle/>
-          <a:p>
-            <a:r>
-              <a:rPr lang="zh-TW" altLang="en-US" dirty="0" smtClean="0"/>
-              <a:t>網頁前端使用介面功能</a:t>
-            </a:r>
-            <a:endParaRPr lang="zh-TW" altLang="en-US" dirty="0"/>
+        <p:spPr>
+          <a:xfrm>
+            <a:off x="453081" y="12636"/>
+            <a:ext cx="8229600" cy="1143000"/>
+          </a:xfrm>
+        </p:spPr>
+        <p:txBody>
+          <a:bodyPr/>
+          <a:lstStyle/>
+          <a:p>
+            <a:r>
+              <a:rPr lang="zh-TW" altLang="en-US" dirty="0"/>
+              <a:t>資料格式</a:t>
+            </a:r>
+            <a:endParaRPr lang="en-US" altLang="zh-TW" dirty="0"/>
           </a:p>
         </p:txBody>
       </p:sp>
@@ -3733,202 +5487,149 @@
             <p:ph idx="1"/>
           </p:nvPr>
         </p:nvSpPr>
-        <p:spPr/>
-        <p:txBody>
-          <a:bodyPr/>
-          <a:lstStyle/>
-          <a:p>
-            <a:r>
-              <a:rPr lang="zh-TW" altLang="en-US" dirty="0"/>
-              <a:t>資料存取</a:t>
-            </a:r>
+        <p:spPr>
+          <a:xfrm>
+            <a:off x="539552" y="1052736"/>
+            <a:ext cx="8229600" cy="4525963"/>
+          </a:xfrm>
+        </p:spPr>
+        <p:txBody>
+          <a:bodyPr/>
+          <a:lstStyle/>
+          <a:p>
+            <a:r>
+              <a:rPr lang="zh-TW" altLang="en-US" dirty="0">
+                <a:latin typeface="+mn-ea"/>
+              </a:rPr>
+              <a:t>程式及系統可產生各式數位檔</a:t>
+            </a:r>
+            <a:endParaRPr lang="en-US" altLang="zh-TW" dirty="0">
+              <a:latin typeface="+mn-ea"/>
+            </a:endParaRPr>
           </a:p>
           <a:p>
             <a:pPr lvl="1"/>
             <a:r>
-              <a:rPr lang="zh-TW" altLang="en-US" dirty="0" smtClean="0"/>
-              <a:t>由 </a:t>
-            </a:r>
-            <a:r>
-              <a:rPr lang="en-US" altLang="zh-TW" dirty="0" smtClean="0"/>
-              <a:t>web </a:t>
-            </a:r>
-            <a:r>
-              <a:rPr lang="zh-TW" altLang="en-US" dirty="0" smtClean="0"/>
-              <a:t>伺服器端上傳下載</a:t>
-            </a:r>
-            <a:endParaRPr lang="en-US" altLang="zh-TW" dirty="0" smtClean="0"/>
-          </a:p>
-          <a:p>
-            <a:r>
-              <a:rPr lang="zh-TW" altLang="en-US" dirty="0" smtClean="0"/>
-              <a:t>由網頁介面輸入</a:t>
-            </a:r>
-            <a:endParaRPr lang="en-US" altLang="zh-TW" dirty="0" smtClean="0"/>
+              <a:rPr lang="zh-TW" altLang="en-US" dirty="0">
+                <a:latin typeface="+mn-ea"/>
+              </a:rPr>
+              <a:t>其格式不一</a:t>
+            </a:r>
+            <a:endParaRPr lang="en-US" altLang="zh-TW" dirty="0">
+              <a:latin typeface="+mn-ea"/>
+            </a:endParaRPr>
           </a:p>
           <a:p>
             <a:pPr lvl="1"/>
             <a:r>
-              <a:rPr lang="zh-TW" altLang="en-US" b="1" dirty="0">
-                <a:solidFill>
-                  <a:srgbClr val="FF0000"/>
-                </a:solidFill>
+              <a:rPr lang="zh-TW" altLang="en-US" dirty="0">
+                <a:latin typeface="+mn-ea"/>
               </a:rPr>
-              <a:t>網頁</a:t>
-            </a:r>
-            <a:r>
-              <a:rPr lang="zh-TW" altLang="en-US" b="1" dirty="0" smtClean="0">
-                <a:solidFill>
-                  <a:srgbClr val="FF0000"/>
-                </a:solidFill>
+              <a:t>軟體程式通常僅可解讀特定格式的資料</a:t>
+            </a:r>
+            <a:endParaRPr lang="en-US" altLang="zh-TW" dirty="0">
+              <a:latin typeface="+mn-ea"/>
+            </a:endParaRPr>
+          </a:p>
+          <a:p>
+            <a:r>
+              <a:rPr lang="zh-TW" altLang="en-US" dirty="0">
+                <a:latin typeface="+mn-ea"/>
               </a:rPr>
-              <a:t>表單</a:t>
-            </a:r>
-            <a:r>
-              <a:rPr lang="zh-TW" altLang="en-US" b="1" dirty="0">
-                <a:solidFill>
-                  <a:srgbClr val="FF0000"/>
-                </a:solidFill>
+              <a:t>一般常用的資料格式</a:t>
+            </a:r>
+            <a:endParaRPr lang="en-US" altLang="zh-TW" dirty="0">
+              <a:latin typeface="+mn-ea"/>
+            </a:endParaRPr>
+          </a:p>
+          <a:p>
+            <a:pPr lvl="1"/>
+            <a:r>
+              <a:rPr lang="zh-TW" altLang="en-US" dirty="0">
+                <a:latin typeface="+mn-ea"/>
               </a:rPr>
-              <a:t>介面</a:t>
-            </a:r>
-            <a:endParaRPr lang="en-US" altLang="zh-TW" b="1" dirty="0" smtClean="0">
-              <a:solidFill>
-                <a:srgbClr val="FF0000"/>
-              </a:solidFill>
+              <a:t>文字檔</a:t>
+            </a:r>
+            <a:endParaRPr lang="en-US" altLang="zh-TW" dirty="0">
+              <a:latin typeface="+mn-ea"/>
             </a:endParaRPr>
           </a:p>
           <a:p>
-            <a:r>
-              <a:rPr lang="zh-TW" altLang="en-US" dirty="0" smtClean="0"/>
-              <a:t>呈現</a:t>
-            </a:r>
-            <a:r>
-              <a:rPr lang="zh-TW" altLang="en-US" dirty="0"/>
-              <a:t>資料</a:t>
+            <a:pPr lvl="2"/>
+            <a:r>
+              <a:rPr lang="en-US" altLang="zh-TW" dirty="0">
+                <a:latin typeface="+mn-ea"/>
+              </a:rPr>
+              <a:t>Txt, CSV,HTML,XML,JSON, PDF…</a:t>
             </a:r>
           </a:p>
           <a:p>
             <a:pPr lvl="1"/>
             <a:r>
-              <a:rPr lang="zh-TW" altLang="en-US" b="1" dirty="0">
-                <a:solidFill>
-                  <a:srgbClr val="FF0000"/>
-                </a:solidFill>
+              <a:rPr lang="zh-TW" altLang="en-US" dirty="0">
+                <a:latin typeface="+mn-ea"/>
               </a:rPr>
-              <a:t>網頁</a:t>
-            </a:r>
-            <a:r>
-              <a:rPr lang="zh-TW" altLang="en-US" b="1" dirty="0" smtClean="0">
-                <a:solidFill>
-                  <a:srgbClr val="FF0000"/>
-                </a:solidFill>
+              <a:t>數位檔</a:t>
+            </a:r>
+            <a:endParaRPr lang="en-US" altLang="zh-TW" dirty="0">
+              <a:latin typeface="+mn-ea"/>
+            </a:endParaRPr>
+          </a:p>
+          <a:p>
+            <a:pPr lvl="2"/>
+            <a:r>
+              <a:rPr lang="zh-TW" altLang="en-US" dirty="0">
+                <a:latin typeface="+mn-ea"/>
               </a:rPr>
-              <a:t>排版呈現文字及圖片</a:t>
-            </a:r>
-            <a:endParaRPr lang="en-US" altLang="zh-TW" b="1" dirty="0" smtClean="0">
-              <a:solidFill>
-                <a:srgbClr val="FF0000"/>
-              </a:solidFill>
-            </a:endParaRPr>
-          </a:p>
-          <a:p>
-            <a:pPr lvl="1"/>
-            <a:r>
-              <a:rPr lang="zh-TW" altLang="en-US" b="1" dirty="0">
-                <a:solidFill>
-                  <a:schemeClr val="tx1">
-                    <a:lumMod val="50000"/>
-                    <a:lumOff val="50000"/>
-                  </a:schemeClr>
-                </a:solidFill>
-              </a:rPr>
-              <a:t>網頁</a:t>
-            </a:r>
-            <a:r>
-              <a:rPr lang="zh-TW" altLang="en-US" b="1" dirty="0" smtClean="0">
-                <a:solidFill>
-                  <a:schemeClr val="tx1">
-                    <a:lumMod val="50000"/>
-                    <a:lumOff val="50000"/>
-                  </a:schemeClr>
-                </a:solidFill>
-              </a:rPr>
-              <a:t>繪圖</a:t>
-            </a:r>
-            <a:r>
-              <a:rPr lang="en-US" altLang="zh-TW" b="1" dirty="0" smtClean="0">
-                <a:solidFill>
-                  <a:schemeClr val="tx1">
-                    <a:lumMod val="50000"/>
-                    <a:lumOff val="50000"/>
-                  </a:schemeClr>
-                </a:solidFill>
+              <a:t>圖檔</a:t>
+            </a:r>
+            <a:r>
+              <a:rPr lang="en-US" altLang="zh-TW" dirty="0">
+                <a:latin typeface="+mn-ea"/>
               </a:rPr>
               <a:t>:</a:t>
             </a:r>
             <a:r>
-              <a:rPr lang="zh-TW" altLang="en-US" b="1" dirty="0" smtClean="0">
-                <a:solidFill>
-                  <a:schemeClr val="tx1">
-                    <a:lumMod val="50000"/>
-                    <a:lumOff val="50000"/>
-                  </a:schemeClr>
-                </a:solidFill>
+              <a:rPr lang="zh-TW" altLang="en-US" dirty="0">
+                <a:latin typeface="+mn-ea"/>
               </a:rPr>
-              <a:t> 如醫學影像、生醫訊號、動畫</a:t>
-            </a:r>
-            <a:endParaRPr lang="en-US" altLang="zh-TW" b="1" dirty="0" smtClean="0">
-              <a:solidFill>
-                <a:schemeClr val="tx1">
-                  <a:lumMod val="50000"/>
-                  <a:lumOff val="50000"/>
-                </a:schemeClr>
-              </a:solidFill>
-            </a:endParaRPr>
-          </a:p>
-          <a:p>
-            <a:pPr lvl="1"/>
-            <a:r>
-              <a:rPr lang="zh-TW" altLang="en-US" b="1" dirty="0">
-                <a:solidFill>
-                  <a:schemeClr val="tx1">
-                    <a:lumMod val="50000"/>
-                    <a:lumOff val="50000"/>
-                  </a:schemeClr>
-                </a:solidFill>
+              <a:t> </a:t>
+            </a:r>
+            <a:r>
+              <a:rPr lang="en-US" altLang="zh-TW" dirty="0">
+                <a:latin typeface="+mn-ea"/>
               </a:rPr>
-              <a:t>影</a:t>
-            </a:r>
-            <a:r>
-              <a:rPr lang="zh-TW" altLang="en-US" b="1" dirty="0" smtClean="0">
-                <a:solidFill>
-                  <a:schemeClr val="tx1">
-                    <a:lumMod val="50000"/>
-                    <a:lumOff val="50000"/>
-                  </a:schemeClr>
-                </a:solidFill>
+              <a:t>BMP, JPG…</a:t>
+            </a:r>
+          </a:p>
+          <a:p>
+            <a:pPr lvl="2"/>
+            <a:r>
+              <a:rPr lang="zh-TW" altLang="en-US" dirty="0">
+                <a:latin typeface="+mn-ea"/>
               </a:rPr>
-              <a:t>音</a:t>
-            </a:r>
-            <a:r>
-              <a:rPr lang="zh-TW" altLang="en-US" b="1" dirty="0">
-                <a:solidFill>
-                  <a:schemeClr val="tx1">
-                    <a:lumMod val="50000"/>
-                    <a:lumOff val="50000"/>
-                  </a:schemeClr>
-                </a:solidFill>
+              <a:t>影片</a:t>
+            </a:r>
+            <a:r>
+              <a:rPr lang="en-US" altLang="zh-TW" dirty="0">
+                <a:latin typeface="+mn-ea"/>
               </a:rPr>
-              <a:t>播放</a:t>
-            </a:r>
-            <a:endParaRPr lang="en-US" altLang="zh-TW" b="1" dirty="0" smtClean="0">
-              <a:solidFill>
-                <a:schemeClr val="tx1">
-                  <a:lumMod val="50000"/>
-                  <a:lumOff val="50000"/>
-                </a:schemeClr>
-              </a:solidFill>
+              <a:t>:</a:t>
+            </a:r>
+            <a:r>
+              <a:rPr lang="zh-TW" altLang="en-US" dirty="0">
+                <a:latin typeface="+mn-ea"/>
+              </a:rPr>
+              <a:t> </a:t>
+            </a:r>
+            <a:r>
+              <a:rPr lang="en-US" altLang="zh-TW" dirty="0">
+                <a:latin typeface="+mn-ea"/>
+              </a:rPr>
+              <a:t>AVI, MP4…</a:t>
+            </a:r>
+            <a:endParaRPr lang="zh-TW" altLang="en-US" dirty="0">
+              <a:latin typeface="+mn-ea"/>
             </a:endParaRPr>
           </a:p>
         </p:txBody>
@@ -3936,20 +5637,13 @@
     </p:spTree>
     <p:extLst>
       <p:ext uri="{BB962C8B-B14F-4D97-AF65-F5344CB8AC3E}">
-        <p14:creationId xmlns:p14="http://schemas.microsoft.com/office/powerpoint/2010/main" val="914284664"/>
+        <p14:creationId xmlns:p14="http://schemas.microsoft.com/office/powerpoint/2010/main" val="1451839784"/>
       </p:ext>
     </p:extLst>
   </p:cSld>
   <p:clrMapOvr>
     <a:masterClrMapping/>
   </p:clrMapOvr>
-  <p:timing>
-    <p:tnLst>
-      <p:par>
-        <p:cTn id="1" dur="indefinite" restart="never" nodeType="tmRoot"/>
-      </p:par>
-    </p:tnLst>
-  </p:timing>
 </p:sld>
 </file>
 
@@ -3980,23 +5674,21 @@
             <p:ph type="title"/>
           </p:nvPr>
         </p:nvSpPr>
-        <p:spPr/>
-        <p:txBody>
-          <a:bodyPr/>
-          <a:lstStyle/>
-          <a:p>
-            <a:r>
-              <a:rPr lang="zh-TW" altLang="en-US"/>
-              <a:t>醫護</a:t>
-            </a:r>
-            <a:r>
-              <a:rPr lang="zh-TW" altLang="en-US" smtClean="0"/>
-              <a:t>表單</a:t>
-            </a:r>
-            <a:r>
-              <a:rPr lang="zh-TW" altLang="en-US" dirty="0"/>
-              <a:t>範例</a:t>
-            </a:r>
+        <p:spPr>
+          <a:xfrm>
+            <a:off x="453081" y="12636"/>
+            <a:ext cx="8229600" cy="1143000"/>
+          </a:xfrm>
+        </p:spPr>
+        <p:txBody>
+          <a:bodyPr/>
+          <a:lstStyle/>
+          <a:p>
+            <a:r>
+              <a:rPr lang="zh-TW" altLang="en-US" dirty="0"/>
+              <a:t>臨醫數位資料格式</a:t>
+            </a:r>
+            <a:endParaRPr lang="en-US" altLang="zh-TW" dirty="0"/>
           </a:p>
         </p:txBody>
       </p:sp>
@@ -4010,56 +5702,138 @@
             <p:ph idx="1"/>
           </p:nvPr>
         </p:nvSpPr>
-        <p:spPr/>
-        <p:txBody>
-          <a:bodyPr/>
-          <a:lstStyle/>
-          <a:p>
-            <a:r>
-              <a:rPr lang="en-US" altLang="zh-TW" dirty="0"/>
-              <a:t>https://</a:t>
-            </a:r>
-            <a:r>
-              <a:rPr lang="en-US" altLang="zh-TW" dirty="0" err="1"/>
-              <a:t>mos2718.github.io</a:t>
-            </a:r>
-            <a:r>
-              <a:rPr lang="en-US" altLang="zh-TW" dirty="0"/>
-              <a:t>/</a:t>
-            </a:r>
-            <a:r>
-              <a:rPr lang="en-US" altLang="zh-TW" dirty="0" err="1"/>
-              <a:t>W1</a:t>
-            </a:r>
-            <a:r>
-              <a:rPr lang="en-US" altLang="zh-TW" dirty="0"/>
-              <a:t>/</a:t>
-            </a:r>
-            <a:r>
-              <a:rPr lang="en-US" altLang="zh-TW" dirty="0" err="1"/>
-              <a:t>P2ret.html</a:t>
-            </a:r>
-            <a:endParaRPr lang="en-US" altLang="zh-TW" dirty="0"/>
+        <p:spPr>
+          <a:xfrm>
+            <a:off x="539552" y="1052736"/>
+            <a:ext cx="8229600" cy="4525963"/>
+          </a:xfrm>
+        </p:spPr>
+        <p:txBody>
+          <a:bodyPr/>
+          <a:lstStyle/>
+          <a:p>
+            <a:r>
+              <a:rPr lang="zh-TW" altLang="en-US" dirty="0">
+                <a:latin typeface="+mn-ea"/>
+              </a:rPr>
+              <a:t>臨床醫療資料</a:t>
+            </a:r>
+            <a:endParaRPr lang="en-US" altLang="zh-TW" dirty="0">
+              <a:latin typeface="+mn-ea"/>
+            </a:endParaRPr>
+          </a:p>
+          <a:p>
+            <a:pPr lvl="1"/>
+            <a:r>
+              <a:rPr lang="zh-TW" altLang="en-US" dirty="0">
+                <a:latin typeface="+mn-ea"/>
+              </a:rPr>
+              <a:t>文字資料</a:t>
+            </a:r>
+            <a:r>
+              <a:rPr lang="en-US" altLang="zh-TW" dirty="0">
+                <a:latin typeface="+mn-ea"/>
+              </a:rPr>
+              <a:t>:</a:t>
+            </a:r>
+            <a:r>
+              <a:rPr lang="zh-TW" altLang="en-US" dirty="0">
+                <a:latin typeface="+mn-ea"/>
+              </a:rPr>
+              <a:t> 病歷及健康紀錄</a:t>
+            </a:r>
+            <a:endParaRPr lang="en-US" altLang="zh-TW" dirty="0">
+              <a:latin typeface="+mn-ea"/>
+            </a:endParaRPr>
+          </a:p>
+          <a:p>
+            <a:pPr lvl="2"/>
+            <a:r>
+              <a:rPr lang="en-US" altLang="zh-TW" dirty="0">
+                <a:latin typeface="+mn-ea"/>
+              </a:rPr>
+              <a:t>Free text, JSON or XML</a:t>
+            </a:r>
+          </a:p>
+          <a:p>
+            <a:pPr lvl="1"/>
+            <a:r>
+              <a:rPr lang="zh-TW" altLang="en-US" dirty="0">
+                <a:latin typeface="+mn-ea"/>
+              </a:rPr>
+              <a:t>其他</a:t>
+            </a:r>
+            <a:r>
+              <a:rPr lang="en-US" altLang="zh-TW" dirty="0">
+                <a:latin typeface="+mn-ea"/>
+              </a:rPr>
+              <a:t>:</a:t>
+            </a:r>
+            <a:r>
+              <a:rPr lang="zh-TW" altLang="en-US" dirty="0">
+                <a:latin typeface="+mn-ea"/>
+              </a:rPr>
+              <a:t> 生醫訊號、醫學影像、基因資料</a:t>
+            </a:r>
+            <a:endParaRPr lang="en-US" altLang="zh-TW" dirty="0">
+              <a:latin typeface="+mn-ea"/>
+            </a:endParaRPr>
+          </a:p>
+          <a:p>
+            <a:r>
+              <a:rPr lang="zh-TW" altLang="en-US" dirty="0">
+                <a:latin typeface="+mn-ea"/>
+              </a:rPr>
+              <a:t>一般電腦軟體不一定能解析處理</a:t>
+            </a:r>
+            <a:endParaRPr lang="en-US" altLang="zh-TW" dirty="0">
+              <a:latin typeface="+mn-ea"/>
+            </a:endParaRPr>
+          </a:p>
+          <a:p>
+            <a:r>
+              <a:rPr lang="zh-TW" altLang="en-US" dirty="0">
+                <a:latin typeface="+mn-ea"/>
+              </a:rPr>
+              <a:t>常須寫程式</a:t>
+            </a:r>
+            <a:endParaRPr lang="en-US" altLang="zh-TW" dirty="0">
+              <a:latin typeface="+mn-ea"/>
+            </a:endParaRPr>
+          </a:p>
+          <a:p>
+            <a:pPr lvl="1"/>
+            <a:r>
+              <a:rPr lang="zh-TW" altLang="en-US" dirty="0">
+                <a:latin typeface="+mn-ea"/>
+              </a:rPr>
+              <a:t>解析處理資料</a:t>
+            </a:r>
+            <a:endParaRPr lang="en-US" altLang="zh-TW" dirty="0">
+              <a:latin typeface="+mn-ea"/>
+            </a:endParaRPr>
+          </a:p>
+          <a:p>
+            <a:pPr lvl="1"/>
+            <a:r>
+              <a:rPr lang="zh-TW" altLang="en-US" dirty="0">
+                <a:latin typeface="+mn-ea"/>
+              </a:rPr>
+              <a:t>整合應用</a:t>
+            </a:r>
           </a:p>
         </p:txBody>
       </p:sp>
     </p:spTree>
     <p:extLst>
       <p:ext uri="{BB962C8B-B14F-4D97-AF65-F5344CB8AC3E}">
-        <p14:creationId xmlns:p14="http://schemas.microsoft.com/office/powerpoint/2010/main" val="601928608"/>
+        <p14:creationId xmlns:p14="http://schemas.microsoft.com/office/powerpoint/2010/main" val="4292822321"/>
       </p:ext>
     </p:extLst>
   </p:cSld>
   <p:clrMapOvr>
     <a:masterClrMapping/>
   </p:clrMapOvr>
-  <p:timing>
-    <p:tnLst>
-      <p:par>
-        <p:cTn id="1" dur="indefinite" restart="never" nodeType="tmRoot"/>
-      </p:par>
-    </p:tnLst>
-  </p:timing>
 </p:sld>
 </file>
 
@@ -4092,7 +5866,7 @@
         </p:nvSpPr>
         <p:spPr>
           <a:xfrm>
-            <a:off x="467544" y="116632"/>
+            <a:off x="457200" y="0"/>
             <a:ext cx="8229600" cy="1143000"/>
           </a:xfrm>
         </p:spPr>
@@ -4102,7 +5876,7 @@
           <a:p>
             <a:r>
               <a:rPr lang="zh-TW" altLang="en-US" dirty="0"/>
-              <a:t>網頁排版呈現文字及圖片</a:t>
+              <a:t>醫療儀器資料產生步驟</a:t>
             </a:r>
           </a:p>
         </p:txBody>
@@ -4119,8 +5893,8 @@
         </p:nvSpPr>
         <p:spPr>
           <a:xfrm>
-            <a:off x="457200" y="1700808"/>
-            <a:ext cx="8229600" cy="4425355"/>
+            <a:off x="457200" y="1052736"/>
+            <a:ext cx="8229600" cy="4525963"/>
           </a:xfrm>
         </p:spPr>
         <p:txBody>
@@ -4128,140 +5902,121 @@
           <a:lstStyle/>
           <a:p>
             <a:r>
-              <a:rPr lang="zh-TW" altLang="en-US" dirty="0" smtClean="0"/>
-              <a:t>範例來源</a:t>
-            </a:r>
-            <a:r>
-              <a:rPr lang="en-US" altLang="zh-TW" dirty="0" smtClean="0"/>
-              <a:t>:</a:t>
-            </a:r>
-            <a:r>
-              <a:rPr lang="zh-TW" altLang="en-US" dirty="0" smtClean="0"/>
-              <a:t>慈大醫資網一期末報告</a:t>
-            </a:r>
-            <a:endParaRPr lang="en-US" altLang="zh-TW" dirty="0" smtClean="0"/>
-          </a:p>
-          <a:p>
-            <a:r>
-              <a:rPr lang="zh-TW" altLang="en-US" dirty="0" smtClean="0"/>
-              <a:t>閩南語</a:t>
-            </a:r>
-            <a:r>
-              <a:rPr lang="zh-TW" altLang="en-US" dirty="0"/>
-              <a:t>不專業</a:t>
-            </a:r>
-            <a:r>
-              <a:rPr lang="zh-TW" altLang="en-US" dirty="0" smtClean="0"/>
-              <a:t>教學</a:t>
+              <a:rPr lang="zh-TW" altLang="en-US" dirty="0"/>
+              <a:t>使用者或通訊介面輸入醫護流程資料</a:t>
             </a:r>
             <a:endParaRPr lang="en-US" altLang="zh-TW" dirty="0"/>
           </a:p>
           <a:p>
             <a:pPr lvl="1"/>
             <a:r>
-              <a:rPr lang="en-US" altLang="zh-TW" dirty="0"/>
-              <a:t>http://</a:t>
-            </a:r>
-            <a:r>
-              <a:rPr lang="en-US" altLang="zh-TW" dirty="0" smtClean="0"/>
-              <a:t>203.64.84.113/</a:t>
-            </a:r>
-            <a:r>
-              <a:rPr lang="en-US" altLang="zh-TW" dirty="0" err="1" smtClean="0"/>
-              <a:t>STUpload</a:t>
-            </a:r>
-            <a:r>
-              <a:rPr lang="en-US" altLang="zh-TW" dirty="0" smtClean="0"/>
-              <a:t>/</a:t>
-            </a:r>
-            <a:r>
-              <a:rPr lang="en-US" altLang="zh-TW" dirty="0" err="1" smtClean="0"/>
-              <a:t>StFiles</a:t>
-            </a:r>
-            <a:r>
-              <a:rPr lang="en-US" altLang="zh-TW" dirty="0" smtClean="0"/>
-              <a:t>/104316104/20190615-0039/6-104316104/</a:t>
-            </a:r>
-            <a:r>
-              <a:rPr lang="en-US" altLang="zh-TW" dirty="0" err="1" smtClean="0"/>
-              <a:t>index.html</a:t>
-            </a:r>
-            <a:endParaRPr lang="en-US" altLang="zh-TW" dirty="0" smtClean="0"/>
-          </a:p>
-          <a:p>
-            <a:r>
-              <a:rPr lang="zh-TW" altLang="en-US" dirty="0"/>
-              <a:t>物理教學</a:t>
-            </a:r>
-            <a:r>
-              <a:rPr lang="zh-TW" altLang="en-US" dirty="0" smtClean="0"/>
-              <a:t>網站</a:t>
-            </a:r>
-            <a:endParaRPr lang="en-US" altLang="zh-TW" dirty="0" smtClean="0"/>
+              <a:rPr lang="zh-TW" altLang="en-US" dirty="0"/>
+              <a:t>如</a:t>
+            </a:r>
+            <a:r>
+              <a:rPr lang="zh-TW" altLang="en-US" dirty="0">
+                <a:solidFill>
+                  <a:srgbClr val="00B050"/>
+                </a:solidFill>
+              </a:rPr>
+              <a:t>病人、使用者、就醫、檢體</a:t>
+            </a:r>
+            <a:r>
+              <a:rPr lang="zh-TW" altLang="en-US" dirty="0"/>
+              <a:t>的資訊</a:t>
+            </a:r>
+            <a:endParaRPr lang="en-US" altLang="zh-TW" dirty="0"/>
+          </a:p>
+          <a:p>
+            <a:endParaRPr lang="en-US" altLang="zh-TW" dirty="0"/>
+          </a:p>
+          <a:p>
+            <a:r>
+              <a:rPr lang="zh-TW" altLang="en-US" dirty="0"/>
+              <a:t>儀器產生資料</a:t>
+            </a:r>
+            <a:endParaRPr lang="en-US" altLang="zh-TW" dirty="0"/>
           </a:p>
           <a:p>
             <a:pPr lvl="1"/>
             <a:r>
-              <a:rPr lang="en-US" altLang="zh-TW" dirty="0"/>
-              <a:t>http://203.64.84.113/</a:t>
-            </a:r>
-            <a:r>
-              <a:rPr lang="en-US" altLang="zh-TW" dirty="0" err="1"/>
-              <a:t>STUpload</a:t>
-            </a:r>
-            <a:r>
-              <a:rPr lang="en-US" altLang="zh-TW" dirty="0"/>
-              <a:t>/</a:t>
-            </a:r>
-            <a:r>
-              <a:rPr lang="en-US" altLang="zh-TW" dirty="0" err="1"/>
-              <a:t>StFiles</a:t>
-            </a:r>
-            <a:r>
-              <a:rPr lang="en-US" altLang="zh-TW" dirty="0"/>
-              <a:t>/</a:t>
-            </a:r>
-            <a:r>
-              <a:rPr lang="en-US" altLang="zh-TW" dirty="0" err="1"/>
-              <a:t>chhsiao</a:t>
-            </a:r>
-            <a:r>
-              <a:rPr lang="en-US" altLang="zh-TW" dirty="0"/>
-              <a:t>/20190615-0540/</a:t>
-            </a:r>
-            <a:r>
-              <a:rPr lang="en-US" altLang="zh-TW" dirty="0" err="1"/>
-              <a:t>104316224%E7%B6%B2%E4%B8%80%E6%9C%9F%E6%9C%AB%E5%B0%88%E6%A1%88</a:t>
-            </a:r>
-            <a:r>
-              <a:rPr lang="en-US" altLang="zh-TW" dirty="0"/>
-              <a:t>/</a:t>
-            </a:r>
-            <a:r>
-              <a:rPr lang="en-US" altLang="zh-TW" dirty="0" err="1"/>
-              <a:t>index.html</a:t>
-            </a:r>
-            <a:endParaRPr lang="zh-TW" altLang="en-US" dirty="0"/>
+              <a:rPr lang="zh-TW" altLang="en-US" dirty="0"/>
+              <a:t>包含</a:t>
+            </a:r>
+            <a:r>
+              <a:rPr lang="zh-TW" altLang="en-US" dirty="0">
+                <a:solidFill>
+                  <a:srgbClr val="FF0000"/>
+                </a:solidFill>
+              </a:rPr>
+              <a:t>檢測結果</a:t>
+            </a:r>
+            <a:r>
+              <a:rPr lang="zh-TW" altLang="en-US" dirty="0"/>
+              <a:t>，以及</a:t>
+            </a:r>
+            <a:r>
+              <a:rPr lang="zh-TW" altLang="en-US" dirty="0">
+                <a:solidFill>
+                  <a:srgbClr val="002060"/>
+                </a:solidFill>
+              </a:rPr>
+              <a:t>儀器、檢測參數、校正</a:t>
+            </a:r>
+            <a:r>
+              <a:rPr lang="en-US" altLang="zh-TW" dirty="0">
+                <a:solidFill>
+                  <a:srgbClr val="002060"/>
+                </a:solidFill>
+              </a:rPr>
+              <a:t>(QA)</a:t>
+            </a:r>
+            <a:r>
+              <a:rPr lang="zh-TW" altLang="en-US" dirty="0">
+                <a:solidFill>
+                  <a:srgbClr val="002060"/>
+                </a:solidFill>
+              </a:rPr>
+              <a:t>、分析方式</a:t>
+            </a:r>
+            <a:r>
+              <a:rPr lang="zh-TW" altLang="en-US" dirty="0"/>
+              <a:t>等</a:t>
+            </a:r>
+            <a:endParaRPr lang="en-US" altLang="zh-TW" dirty="0"/>
+          </a:p>
+          <a:p>
+            <a:endParaRPr lang="en-US" altLang="zh-TW" dirty="0"/>
+          </a:p>
+          <a:p>
+            <a:r>
+              <a:rPr lang="zh-TW" altLang="en-US" dirty="0"/>
+              <a:t>儀器輸出資料可包含上述資料</a:t>
+            </a:r>
+            <a:endParaRPr lang="en-US" altLang="zh-TW" dirty="0"/>
+          </a:p>
+          <a:p>
+            <a:endParaRPr lang="en-US" altLang="zh-TW" dirty="0"/>
+          </a:p>
+          <a:p>
+            <a:r>
+              <a:rPr lang="zh-TW" altLang="en-US" dirty="0"/>
+              <a:t>常以檔案或串流輸出</a:t>
+            </a:r>
+            <a:endParaRPr lang="en-US" altLang="zh-TW" dirty="0"/>
           </a:p>
         </p:txBody>
       </p:sp>
     </p:spTree>
     <p:extLst>
       <p:ext uri="{BB962C8B-B14F-4D97-AF65-F5344CB8AC3E}">
-        <p14:creationId xmlns:p14="http://schemas.microsoft.com/office/powerpoint/2010/main" val="1877315182"/>
+        <p14:creationId xmlns:p14="http://schemas.microsoft.com/office/powerpoint/2010/main" val="1381676216"/>
       </p:ext>
     </p:extLst>
   </p:cSld>
   <p:clrMapOvr>
     <a:masterClrMapping/>
   </p:clrMapOvr>
-  <p:timing>
-    <p:tnLst>
-      <p:par>
-        <p:cTn id="1" dur="indefinite" restart="never" nodeType="tmRoot"/>
-      </p:par>
-    </p:tnLst>
-  </p:timing>
 </p:sld>
 </file>
 
@@ -4294,7 +6049,7 @@
         </p:nvSpPr>
         <p:spPr>
           <a:xfrm>
-            <a:off x="467544" y="116632"/>
+            <a:off x="457200" y="0"/>
             <a:ext cx="8229600" cy="1143000"/>
           </a:xfrm>
         </p:spPr>
@@ -4304,7 +6059,7 @@
           <a:p>
             <a:r>
               <a:rPr lang="zh-TW" altLang="en-US" dirty="0"/>
-              <a:t>網頁排版呈現文字及圖片</a:t>
+              <a:t>醫療儀器資料檔案包含的內容</a:t>
             </a:r>
           </a:p>
         </p:txBody>
@@ -4321,8 +6076,8 @@
         </p:nvSpPr>
         <p:spPr>
           <a:xfrm>
-            <a:off x="457200" y="1268760"/>
-            <a:ext cx="8229600" cy="4857403"/>
+            <a:off x="457200" y="1484784"/>
+            <a:ext cx="8229600" cy="4093915"/>
           </a:xfrm>
         </p:spPr>
         <p:txBody>
@@ -4330,97 +6085,99 @@
           <a:lstStyle/>
           <a:p>
             <a:r>
-              <a:rPr lang="zh-TW" altLang="en-US" dirty="0" smtClean="0"/>
-              <a:t>咖啡店</a:t>
-            </a:r>
-            <a:endParaRPr lang="en-US" altLang="zh-TW" dirty="0" smtClean="0"/>
-          </a:p>
-          <a:p>
-            <a:pPr lvl="1"/>
-            <a:r>
-              <a:rPr lang="en-US" altLang="zh-TW" dirty="0" smtClean="0"/>
-              <a:t>http</a:t>
-            </a:r>
-            <a:r>
-              <a:rPr lang="en-US" altLang="zh-TW" dirty="0"/>
-              <a:t>://203.64.84.113/</a:t>
-            </a:r>
-            <a:r>
-              <a:rPr lang="en-US" altLang="zh-TW" dirty="0" err="1"/>
-              <a:t>STUpload</a:t>
-            </a:r>
-            <a:r>
-              <a:rPr lang="en-US" altLang="zh-TW" dirty="0"/>
-              <a:t>/</a:t>
-            </a:r>
-            <a:r>
-              <a:rPr lang="en-US" altLang="zh-TW" dirty="0" err="1"/>
-              <a:t>StFiles</a:t>
-            </a:r>
-            <a:r>
-              <a:rPr lang="en-US" altLang="zh-TW" dirty="0"/>
-              <a:t>/107316127/20190613-1155/%</a:t>
-            </a:r>
-            <a:r>
-              <a:rPr lang="en-US" altLang="zh-TW" dirty="0" err="1"/>
-              <a:t>E9%A6%96%E9%A0%81.html</a:t>
-            </a:r>
-            <a:endParaRPr lang="en-US" altLang="zh-TW" dirty="0" smtClean="0"/>
-          </a:p>
-          <a:p>
-            <a:r>
-              <a:rPr lang="zh-TW" altLang="en-US" dirty="0" smtClean="0"/>
-              <a:t>線上二手書交易</a:t>
-            </a:r>
-            <a:endParaRPr lang="en-US" altLang="zh-TW" dirty="0" smtClean="0"/>
-          </a:p>
-          <a:p>
-            <a:pPr lvl="1"/>
-            <a:r>
-              <a:rPr lang="en-US" altLang="zh-TW" dirty="0"/>
-              <a:t>http://203.64.84.113/</a:t>
-            </a:r>
-            <a:r>
-              <a:rPr lang="en-US" altLang="zh-TW" dirty="0" err="1"/>
-              <a:t>STUpload</a:t>
-            </a:r>
-            <a:r>
-              <a:rPr lang="en-US" altLang="zh-TW" dirty="0"/>
-              <a:t>/</a:t>
-            </a:r>
-            <a:r>
-              <a:rPr lang="en-US" altLang="zh-TW" dirty="0" err="1"/>
-              <a:t>StFiles</a:t>
-            </a:r>
-            <a:r>
-              <a:rPr lang="en-US" altLang="zh-TW" dirty="0"/>
-              <a:t>/107316136/20190613-0321/107316136-</a:t>
-            </a:r>
-            <a:r>
-              <a:rPr lang="en-US" altLang="zh-TW" dirty="0" err="1"/>
-              <a:t>1.html</a:t>
-            </a:r>
-            <a:endParaRPr lang="zh-TW" altLang="en-US" dirty="0"/>
+              <a:rPr lang="zh-TW" altLang="en-US" dirty="0"/>
+              <a:t>可包含</a:t>
+            </a:r>
+            <a:r>
+              <a:rPr lang="zh-TW" altLang="en-US" dirty="0">
+                <a:solidFill>
+                  <a:srgbClr val="00B050"/>
+                </a:solidFill>
+              </a:rPr>
+              <a:t>病人、使用者、就醫、檢體</a:t>
+            </a:r>
+            <a:r>
+              <a:rPr lang="zh-TW" altLang="en-US" dirty="0"/>
+              <a:t>，</a:t>
+            </a:r>
+            <a:r>
+              <a:rPr lang="zh-TW" altLang="en-US" dirty="0">
+                <a:solidFill>
+                  <a:srgbClr val="FF0000"/>
+                </a:solidFill>
+              </a:rPr>
+              <a:t>檢測結果</a:t>
+            </a:r>
+            <a:r>
+              <a:rPr lang="zh-TW" altLang="en-US" dirty="0"/>
+              <a:t>，以及</a:t>
+            </a:r>
+            <a:r>
+              <a:rPr lang="zh-TW" altLang="en-US" dirty="0">
+                <a:solidFill>
+                  <a:srgbClr val="002060"/>
+                </a:solidFill>
+              </a:rPr>
+              <a:t>儀器、檢測參數、校正</a:t>
+            </a:r>
+            <a:r>
+              <a:rPr lang="en-US" altLang="zh-TW" dirty="0">
+                <a:solidFill>
+                  <a:srgbClr val="002060"/>
+                </a:solidFill>
+              </a:rPr>
+              <a:t>(QA)</a:t>
+            </a:r>
+            <a:r>
+              <a:rPr lang="zh-TW" altLang="en-US" dirty="0">
+                <a:solidFill>
+                  <a:srgbClr val="002060"/>
+                </a:solidFill>
+              </a:rPr>
+              <a:t>、分析方式</a:t>
+            </a:r>
+            <a:r>
+              <a:rPr lang="zh-TW" altLang="en-US" dirty="0"/>
+              <a:t>等資訊</a:t>
+            </a:r>
+            <a:endParaRPr lang="en-US" altLang="zh-TW" dirty="0"/>
+          </a:p>
+          <a:p>
+            <a:r>
+              <a:rPr lang="zh-TW" altLang="en-US" dirty="0"/>
+              <a:t>程式將上述資料打包成檔案</a:t>
+            </a:r>
+            <a:endParaRPr lang="en-US" altLang="zh-TW" dirty="0"/>
+          </a:p>
+          <a:p>
+            <a:r>
+              <a:rPr lang="zh-TW" altLang="en-US" dirty="0"/>
+              <a:t>各廠牌儀器可能採不同的資料型態、排列次序、資料長度、欄位分段方式打包上述資料</a:t>
+            </a:r>
+            <a:endParaRPr lang="en-US" altLang="zh-TW" dirty="0"/>
+          </a:p>
+          <a:p>
+            <a:r>
+              <a:rPr lang="zh-TW" altLang="en-US" dirty="0"/>
+              <a:t>解讀儀器產生的資料常是大挑戰</a:t>
+            </a:r>
+            <a:endParaRPr lang="en-US" altLang="zh-TW" dirty="0"/>
+          </a:p>
+          <a:p>
+            <a:endParaRPr lang="en-US" altLang="zh-TW" dirty="0"/>
           </a:p>
         </p:txBody>
       </p:sp>
     </p:spTree>
     <p:extLst>
       <p:ext uri="{BB962C8B-B14F-4D97-AF65-F5344CB8AC3E}">
-        <p14:creationId xmlns:p14="http://schemas.microsoft.com/office/powerpoint/2010/main" val="2466708028"/>
+        <p14:creationId xmlns:p14="http://schemas.microsoft.com/office/powerpoint/2010/main" val="770126711"/>
       </p:ext>
     </p:extLst>
   </p:cSld>
   <p:clrMapOvr>
     <a:masterClrMapping/>
   </p:clrMapOvr>
-  <p:timing>
-    <p:tnLst>
-      <p:par>
-        <p:cTn id="1" dur="indefinite" restart="never" nodeType="tmRoot"/>
-      </p:par>
-    </p:tnLst>
-  </p:timing>
 </p:sld>
 </file>
 
@@ -4443,7 +6200,53 @@
       </p:grpSpPr>
       <p:sp>
         <p:nvSpPr>
-          <p:cNvPr id="2" name="標題 1"/>
+          <p:cNvPr id="3" name="內容版面配置區 2"/>
+          <p:cNvSpPr>
+            <a:spLocks noGrp="1"/>
+          </p:cNvSpPr>
+          <p:nvPr>
+            <p:ph idx="1"/>
+          </p:nvPr>
+        </p:nvSpPr>
+        <p:spPr>
+          <a:xfrm>
+            <a:off x="457200" y="1988840"/>
+            <a:ext cx="8229600" cy="3589859"/>
+          </a:xfrm>
+        </p:spPr>
+        <p:txBody>
+          <a:bodyPr/>
+          <a:lstStyle/>
+          <a:p>
+            <a:r>
+              <a:rPr lang="en-US" altLang="zh-TW" dirty="0"/>
+              <a:t>Q:</a:t>
+            </a:r>
+            <a:r>
+              <a:rPr lang="zh-TW" altLang="en-US" dirty="0"/>
+              <a:t> 輸出上述資料格式由誰來訂立</a:t>
+            </a:r>
+            <a:endParaRPr lang="en-US" altLang="zh-TW" dirty="0"/>
+          </a:p>
+          <a:p>
+            <a:pPr lvl="1"/>
+            <a:r>
+              <a:rPr lang="zh-TW" altLang="en-US" dirty="0"/>
+              <a:t>使用者、廠商、程式設計師、醫資標準組織</a:t>
+            </a:r>
+            <a:endParaRPr lang="en-US" altLang="zh-TW" dirty="0"/>
+          </a:p>
+        </p:txBody>
+      </p:sp>
+      <p:sp>
+        <p:nvSpPr>
+          <p:cNvPr id="5" name="標題 4">
+            <a:extLst>
+              <a:ext uri="{FF2B5EF4-FFF2-40B4-BE49-F238E27FC236}">
+                <a16:creationId xmlns:a16="http://schemas.microsoft.com/office/drawing/2014/main" id="{F4B93F83-B72E-4702-A77F-888D5D095B65}"/>
+              </a:ext>
+            </a:extLst>
+          </p:cNvPr>
           <p:cNvSpPr>
             <a:spLocks noGrp="1"/>
           </p:cNvSpPr>
@@ -4456,84 +6259,274 @@
           <a:bodyPr/>
           <a:lstStyle/>
           <a:p>
-            <a:r>
-              <a:rPr lang="zh-TW" altLang="en-US" dirty="0" smtClean="0"/>
-              <a:t>常見的網頁排版模式</a:t>
-            </a:r>
-            <a:endParaRPr lang="zh-TW" altLang="en-US" dirty="0"/>
-          </a:p>
-        </p:txBody>
-      </p:sp>
-      <p:sp>
-        <p:nvSpPr>
-          <p:cNvPr id="3" name="內容版面配置區 2"/>
-          <p:cNvSpPr>
-            <a:spLocks noGrp="1"/>
-          </p:cNvSpPr>
-          <p:nvPr>
-            <p:ph idx="1"/>
-          </p:nvPr>
-        </p:nvSpPr>
-        <p:spPr/>
-        <p:txBody>
-          <a:bodyPr/>
-          <a:lstStyle/>
-          <a:p>
-            <a:r>
-              <a:rPr lang="zh-TW" altLang="en-US" dirty="0" smtClean="0"/>
-              <a:t>列表呈現</a:t>
-            </a:r>
-            <a:endParaRPr lang="en-US" altLang="zh-TW" dirty="0" smtClean="0"/>
-          </a:p>
-          <a:p>
-            <a:pPr lvl="1"/>
-            <a:r>
-              <a:rPr lang="zh-TW" altLang="en-US" dirty="0" smtClean="0"/>
-              <a:t>表格呈現多筆資料</a:t>
-            </a:r>
-            <a:endParaRPr lang="en-US" altLang="zh-TW" dirty="0" smtClean="0"/>
-          </a:p>
-          <a:p>
-            <a:endParaRPr lang="en-US" altLang="zh-TW" dirty="0"/>
-          </a:p>
-          <a:p>
-            <a:r>
-              <a:rPr lang="zh-TW" altLang="en-US" dirty="0" smtClean="0"/>
-              <a:t>排版呈現單筆資料</a:t>
-            </a:r>
-            <a:endParaRPr lang="en-US" altLang="zh-TW" dirty="0" smtClean="0"/>
-          </a:p>
-          <a:p>
-            <a:pPr lvl="1"/>
-            <a:r>
-              <a:rPr lang="zh-TW" altLang="en-US" dirty="0"/>
-              <a:t>如呈現</a:t>
-            </a:r>
-            <a:r>
-              <a:rPr lang="zh-TW" altLang="en-US" dirty="0" smtClean="0"/>
-              <a:t>病人、商品、某筆訂單、教材單元等</a:t>
-            </a:r>
-            <a:endParaRPr lang="zh-TW" altLang="en-US" dirty="0"/>
+            <a:endParaRPr lang="zh-TW" altLang="en-US"/>
           </a:p>
         </p:txBody>
       </p:sp>
     </p:spTree>
     <p:extLst>
       <p:ext uri="{BB962C8B-B14F-4D97-AF65-F5344CB8AC3E}">
-        <p14:creationId xmlns:p14="http://schemas.microsoft.com/office/powerpoint/2010/main" val="1892697188"/>
+        <p14:creationId xmlns:p14="http://schemas.microsoft.com/office/powerpoint/2010/main" val="3106168147"/>
       </p:ext>
     </p:extLst>
   </p:cSld>
   <p:clrMapOvr>
     <a:masterClrMapping/>
   </p:clrMapOvr>
-  <p:timing>
-    <p:tnLst>
-      <p:par>
-        <p:cTn id="1" dur="indefinite" restart="never" nodeType="tmRoot"/>
-      </p:par>
-    </p:tnLst>
-  </p:timing>
+</p:sld>
+</file>
+
+<file path=ppt/slides/slide8.xml><?xml version="1.0" encoding="utf-8"?>
+<p:sld xmlns:a="http://schemas.openxmlformats.org/drawingml/2006/main" xmlns:r="http://schemas.openxmlformats.org/officeDocument/2006/relationships" xmlns:p="http://schemas.openxmlformats.org/presentationml/2006/main">
+  <p:cSld>
+    <p:spTree>
+      <p:nvGrpSpPr>
+        <p:cNvPr id="1" name=""/>
+        <p:cNvGrpSpPr/>
+        <p:nvPr/>
+      </p:nvGrpSpPr>
+      <p:grpSpPr>
+        <a:xfrm>
+          <a:off x="0" y="0"/>
+          <a:ext cx="0" cy="0"/>
+          <a:chOff x="0" y="0"/>
+          <a:chExt cx="0" cy="0"/>
+        </a:xfrm>
+      </p:grpSpPr>
+      <p:sp>
+        <p:nvSpPr>
+          <p:cNvPr id="2" name="標題 1">
+            <a:extLst>
+              <a:ext uri="{FF2B5EF4-FFF2-40B4-BE49-F238E27FC236}">
+                <a16:creationId xmlns:a16="http://schemas.microsoft.com/office/drawing/2014/main" id="{BDACB488-59BA-427F-9604-ACDD4E8C9ABA}"/>
+              </a:ext>
+            </a:extLst>
+          </p:cNvPr>
+          <p:cNvSpPr>
+            <a:spLocks noGrp="1"/>
+          </p:cNvSpPr>
+          <p:nvPr>
+            <p:ph type="title"/>
+          </p:nvPr>
+        </p:nvSpPr>
+        <p:spPr/>
+        <p:txBody>
+          <a:bodyPr/>
+          <a:lstStyle/>
+          <a:p>
+            <a:r>
+              <a:rPr lang="zh-TW" altLang="en-US" dirty="0"/>
+              <a:t>產生臨醫資料初體驗</a:t>
+            </a:r>
+          </a:p>
+        </p:txBody>
+      </p:sp>
+      <p:sp>
+        <p:nvSpPr>
+          <p:cNvPr id="3" name="內容版面配置區 2">
+            <a:extLst>
+              <a:ext uri="{FF2B5EF4-FFF2-40B4-BE49-F238E27FC236}">
+                <a16:creationId xmlns:a16="http://schemas.microsoft.com/office/drawing/2014/main" id="{67D4EB16-7BE6-4DD4-8E34-6A19A703352E}"/>
+              </a:ext>
+            </a:extLst>
+          </p:cNvPr>
+          <p:cNvSpPr>
+            <a:spLocks noGrp="1"/>
+          </p:cNvSpPr>
+          <p:nvPr>
+            <p:ph idx="1"/>
+          </p:nvPr>
+        </p:nvSpPr>
+        <p:spPr/>
+        <p:txBody>
+          <a:bodyPr/>
+          <a:lstStyle/>
+          <a:p>
+            <a:r>
+              <a:rPr lang="zh-TW" altLang="en-US" dirty="0"/>
+              <a:t>假設我是一個臨醫資料工程師，希望收集、儲存、分享、及管理身體產生的電訊號</a:t>
+            </a:r>
+            <a:r>
+              <a:rPr lang="en-US" altLang="zh-TW" dirty="0"/>
+              <a:t>(</a:t>
+            </a:r>
+            <a:r>
+              <a:rPr lang="zh-TW" altLang="en-US" dirty="0"/>
+              <a:t>如心電圖</a:t>
+            </a:r>
+            <a:r>
+              <a:rPr lang="en-US" altLang="zh-TW" dirty="0"/>
+              <a:t>)</a:t>
+            </a:r>
+          </a:p>
+          <a:p>
+            <a:r>
+              <a:rPr lang="zh-TW" altLang="en-US" dirty="0"/>
+              <a:t>要記錄那些資料</a:t>
+            </a:r>
+            <a:endParaRPr lang="en-US" altLang="zh-TW" dirty="0"/>
+          </a:p>
+          <a:p>
+            <a:r>
+              <a:rPr lang="zh-TW" altLang="en-US" dirty="0"/>
+              <a:t>如何設計紀錄之資料規格</a:t>
+            </a:r>
+            <a:endParaRPr lang="en-US" altLang="zh-TW" dirty="0"/>
+          </a:p>
+          <a:p>
+            <a:r>
+              <a:rPr lang="zh-TW" altLang="en-US" dirty="0"/>
+              <a:t>其規格說明文件要記錄那些內容</a:t>
+            </a:r>
+            <a:endParaRPr lang="en-US" altLang="zh-TW" dirty="0"/>
+          </a:p>
+          <a:p>
+            <a:r>
+              <a:rPr lang="zh-TW" altLang="en-US" dirty="0"/>
+              <a:t>如何整理出通用的規格，方便各式程式參考使用</a:t>
+            </a:r>
+            <a:endParaRPr lang="en-US" altLang="zh-TW" dirty="0"/>
+          </a:p>
+          <a:p>
+            <a:endParaRPr lang="en-US" altLang="zh-TW" dirty="0"/>
+          </a:p>
+          <a:p>
+            <a:endParaRPr lang="zh-TW" altLang="en-US" dirty="0"/>
+          </a:p>
+        </p:txBody>
+      </p:sp>
+    </p:spTree>
+    <p:extLst>
+      <p:ext uri="{BB962C8B-B14F-4D97-AF65-F5344CB8AC3E}">
+        <p14:creationId xmlns:p14="http://schemas.microsoft.com/office/powerpoint/2010/main" val="3736223143"/>
+      </p:ext>
+    </p:extLst>
+  </p:cSld>
+  <p:clrMapOvr>
+    <a:masterClrMapping/>
+  </p:clrMapOvr>
+</p:sld>
+</file>
+
+<file path=ppt/slides/slide9.xml><?xml version="1.0" encoding="utf-8"?>
+<p:sld xmlns:a="http://schemas.openxmlformats.org/drawingml/2006/main" xmlns:r="http://schemas.openxmlformats.org/officeDocument/2006/relationships" xmlns:p="http://schemas.openxmlformats.org/presentationml/2006/main">
+  <p:cSld>
+    <p:spTree>
+      <p:nvGrpSpPr>
+        <p:cNvPr id="1" name=""/>
+        <p:cNvGrpSpPr/>
+        <p:nvPr/>
+      </p:nvGrpSpPr>
+      <p:grpSpPr>
+        <a:xfrm>
+          <a:off x="0" y="0"/>
+          <a:ext cx="0" cy="0"/>
+          <a:chOff x="0" y="0"/>
+          <a:chExt cx="0" cy="0"/>
+        </a:xfrm>
+      </p:grpSpPr>
+      <p:sp>
+        <p:nvSpPr>
+          <p:cNvPr id="2" name="標題 1">
+            <a:extLst>
+              <a:ext uri="{FF2B5EF4-FFF2-40B4-BE49-F238E27FC236}">
+                <a16:creationId xmlns:a16="http://schemas.microsoft.com/office/drawing/2014/main" id="{7BB49CCF-2DAD-4114-AAB6-6F6EE99BC6C0}"/>
+              </a:ext>
+            </a:extLst>
+          </p:cNvPr>
+          <p:cNvSpPr>
+            <a:spLocks noGrp="1"/>
+          </p:cNvSpPr>
+          <p:nvPr>
+            <p:ph type="title"/>
+          </p:nvPr>
+        </p:nvSpPr>
+        <p:spPr/>
+        <p:txBody>
+          <a:bodyPr/>
+          <a:lstStyle/>
+          <a:p>
+            <a:r>
+              <a:rPr lang="zh-TW" altLang="en-US" dirty="0"/>
+              <a:t>臨醫資料規格不一問題分析</a:t>
+            </a:r>
+          </a:p>
+        </p:txBody>
+      </p:sp>
+      <p:sp>
+        <p:nvSpPr>
+          <p:cNvPr id="3" name="內容版面配置區 2">
+            <a:extLst>
+              <a:ext uri="{FF2B5EF4-FFF2-40B4-BE49-F238E27FC236}">
+                <a16:creationId xmlns:a16="http://schemas.microsoft.com/office/drawing/2014/main" id="{EABB201B-C99C-4F21-9C0C-60AB64D19B69}"/>
+              </a:ext>
+            </a:extLst>
+          </p:cNvPr>
+          <p:cNvSpPr>
+            <a:spLocks noGrp="1"/>
+          </p:cNvSpPr>
+          <p:nvPr>
+            <p:ph idx="1"/>
+          </p:nvPr>
+        </p:nvSpPr>
+        <p:spPr/>
+        <p:txBody>
+          <a:bodyPr/>
+          <a:lstStyle/>
+          <a:p>
+            <a:r>
+              <a:rPr lang="zh-TW" altLang="en-US" dirty="0"/>
+              <a:t>許多資料規格採廠商或開發人員自訂</a:t>
+            </a:r>
+            <a:endParaRPr lang="en-US" altLang="zh-TW" dirty="0"/>
+          </a:p>
+          <a:p>
+            <a:pPr lvl="1"/>
+            <a:r>
+              <a:rPr lang="zh-TW" altLang="en-US" dirty="0"/>
+              <a:t>各家廠商規格不一</a:t>
+            </a:r>
+            <a:endParaRPr lang="en-US" altLang="zh-TW" dirty="0"/>
+          </a:p>
+          <a:p>
+            <a:pPr lvl="1"/>
+            <a:r>
+              <a:rPr lang="zh-TW" altLang="en-US" dirty="0"/>
+              <a:t>方便自己的程式解讀</a:t>
+            </a:r>
+            <a:endParaRPr lang="en-US" altLang="zh-TW" dirty="0"/>
+          </a:p>
+          <a:p>
+            <a:pPr lvl="1"/>
+            <a:r>
+              <a:rPr lang="zh-TW" altLang="en-US" dirty="0"/>
+              <a:t>儀器電腦環境不一</a:t>
+            </a:r>
+            <a:endParaRPr lang="en-US" altLang="zh-TW" dirty="0"/>
+          </a:p>
+          <a:p>
+            <a:pPr lvl="1"/>
+            <a:r>
+              <a:rPr lang="zh-TW" altLang="en-US" dirty="0"/>
+              <a:t>採用的資料壓縮、存檔、及互通規格不一</a:t>
+            </a:r>
+            <a:endParaRPr lang="en-US" altLang="zh-TW" dirty="0"/>
+          </a:p>
+          <a:p>
+            <a:endParaRPr lang="zh-TW" altLang="en-US" dirty="0"/>
+          </a:p>
+        </p:txBody>
+      </p:sp>
+    </p:spTree>
+    <p:extLst>
+      <p:ext uri="{BB962C8B-B14F-4D97-AF65-F5344CB8AC3E}">
+        <p14:creationId xmlns:p14="http://schemas.microsoft.com/office/powerpoint/2010/main" val="1574303968"/>
+      </p:ext>
+    </p:extLst>
+  </p:cSld>
+  <p:clrMapOvr>
+    <a:masterClrMapping/>
+  </p:clrMapOvr>
 </p:sld>
 </file>
 
